--- a/Module 2 Final Project.pptx
+++ b/Module 2 Final Project.pptx
@@ -113,6 +113,11 @@
       </a:defRPr>
     </a:lvl9pPr>
   </p:defaultTextStyle>
+  <p:extLst>
+    <p:ext uri="{EFAFB233-063F-42B5-8137-9DF3F51BA10A}">
+      <p15:sldGuideLst xmlns:p15="http://schemas.microsoft.com/office/powerpoint/2012/main"/>
+    </p:ext>
+  </p:extLst>
 </p:presentation>
 </file>
 
@@ -223,6 +228,11 @@
                 </a:contourClr>
               </a:sp3d>
             </c:spPr>
+            <c:extLst>
+              <c:ext xmlns:c16="http://schemas.microsoft.com/office/drawing/2014/chart" uri="{C3380CC4-5D6E-409C-BE32-E72D297353CC}">
+                <c16:uniqueId val="{00000001-EFEE-425E-9A88-4658D296402B}"/>
+              </c:ext>
+            </c:extLst>
           </c:dPt>
           <c:dPt>
             <c:idx val="1"/>
@@ -246,6 +256,11 @@
                 </a:contourClr>
               </a:sp3d>
             </c:spPr>
+            <c:extLst>
+              <c:ext xmlns:c16="http://schemas.microsoft.com/office/drawing/2014/chart" uri="{C3380CC4-5D6E-409C-BE32-E72D297353CC}">
+                <c16:uniqueId val="{00000003-EFEE-425E-9A88-4658D296402B}"/>
+              </c:ext>
+            </c:extLst>
           </c:dPt>
           <c:dPt>
             <c:idx val="2"/>
@@ -269,6 +284,11 @@
                 </a:contourClr>
               </a:sp3d>
             </c:spPr>
+            <c:extLst>
+              <c:ext xmlns:c16="http://schemas.microsoft.com/office/drawing/2014/chart" uri="{C3380CC4-5D6E-409C-BE32-E72D297353CC}">
+                <c16:uniqueId val="{00000005-EFEE-425E-9A88-4658D296402B}"/>
+              </c:ext>
+            </c:extLst>
           </c:dPt>
           <c:dPt>
             <c:idx val="3"/>
@@ -292,6 +312,11 @@
                 </a:contourClr>
               </a:sp3d>
             </c:spPr>
+            <c:extLst>
+              <c:ext xmlns:c16="http://schemas.microsoft.com/office/drawing/2014/chart" uri="{C3380CC4-5D6E-409C-BE32-E72D297353CC}">
+                <c16:uniqueId val="{00000007-EFEE-425E-9A88-4658D296402B}"/>
+              </c:ext>
+            </c:extLst>
           </c:dPt>
           <c:dPt>
             <c:idx val="4"/>
@@ -315,6 +340,11 @@
                 </a:contourClr>
               </a:sp3d>
             </c:spPr>
+            <c:extLst>
+              <c:ext xmlns:c16="http://schemas.microsoft.com/office/drawing/2014/chart" uri="{C3380CC4-5D6E-409C-BE32-E72D297353CC}">
+                <c16:uniqueId val="{00000009-EFEE-425E-9A88-4658D296402B}"/>
+              </c:ext>
+            </c:extLst>
           </c:dPt>
           <c:dPt>
             <c:idx val="5"/>
@@ -338,6 +368,11 @@
                 </a:contourClr>
               </a:sp3d>
             </c:spPr>
+            <c:extLst>
+              <c:ext xmlns:c16="http://schemas.microsoft.com/office/drawing/2014/chart" uri="{C3380CC4-5D6E-409C-BE32-E72D297353CC}">
+                <c16:uniqueId val="{0000000B-EFEE-425E-9A88-4658D296402B}"/>
+              </c:ext>
+            </c:extLst>
           </c:dPt>
           <c:dLbls>
             <c:spPr>
@@ -1189,7 +1224,7 @@
           <a:p>
             <a:fld id="{C3397935-2F3F-463F-AF08-0875629A89E2}" type="datetimeFigureOut">
               <a:rPr lang="en-US" smtClean="0"/>
-              <a:t>5/20/2019</a:t>
+              <a:t>5/21/2019</a:t>
             </a:fld>
             <a:endParaRPr lang="en-US"/>
           </a:p>
@@ -2262,7 +2297,7 @@
           <a:p>
             <a:fld id="{6C2C316B-41D4-40BF-81E2-5D7AC1F6020A}" type="datetimeFigureOut">
               <a:rPr lang="en-US" smtClean="0"/>
-              <a:t>5/20/2019</a:t>
+              <a:t>5/21/2019</a:t>
             </a:fld>
             <a:endParaRPr lang="en-US"/>
           </a:p>
@@ -2513,7 +2548,7 @@
           <a:p>
             <a:fld id="{6C2C316B-41D4-40BF-81E2-5D7AC1F6020A}" type="datetimeFigureOut">
               <a:rPr lang="en-US" smtClean="0"/>
-              <a:t>5/20/2019</a:t>
+              <a:t>5/21/2019</a:t>
             </a:fld>
             <a:endParaRPr lang="en-US"/>
           </a:p>
@@ -2827,7 +2862,7 @@
           <a:p>
             <a:fld id="{6C2C316B-41D4-40BF-81E2-5D7AC1F6020A}" type="datetimeFigureOut">
               <a:rPr lang="en-US" smtClean="0"/>
-              <a:t>5/20/2019</a:t>
+              <a:t>5/21/2019</a:t>
             </a:fld>
             <a:endParaRPr lang="en-US"/>
           </a:p>
@@ -3168,7 +3203,7 @@
           <a:p>
             <a:fld id="{6C2C316B-41D4-40BF-81E2-5D7AC1F6020A}" type="datetimeFigureOut">
               <a:rPr lang="en-US" smtClean="0"/>
-              <a:t>5/20/2019</a:t>
+              <a:t>5/21/2019</a:t>
             </a:fld>
             <a:endParaRPr lang="en-US"/>
           </a:p>
@@ -3482,7 +3517,7 @@
           <a:p>
             <a:fld id="{6C2C316B-41D4-40BF-81E2-5D7AC1F6020A}" type="datetimeFigureOut">
               <a:rPr lang="en-US" smtClean="0"/>
-              <a:t>5/20/2019</a:t>
+              <a:t>5/21/2019</a:t>
             </a:fld>
             <a:endParaRPr lang="en-US"/>
           </a:p>
@@ -3875,7 +3910,7 @@
           <a:p>
             <a:fld id="{6C2C316B-41D4-40BF-81E2-5D7AC1F6020A}" type="datetimeFigureOut">
               <a:rPr lang="en-US" smtClean="0"/>
-              <a:t>5/20/2019</a:t>
+              <a:t>5/21/2019</a:t>
             </a:fld>
             <a:endParaRPr lang="en-US"/>
           </a:p>
@@ -4045,7 +4080,7 @@
           <a:p>
             <a:fld id="{6C2C316B-41D4-40BF-81E2-5D7AC1F6020A}" type="datetimeFigureOut">
               <a:rPr lang="en-US" smtClean="0"/>
-              <a:t>5/20/2019</a:t>
+              <a:t>5/21/2019</a:t>
             </a:fld>
             <a:endParaRPr lang="en-US"/>
           </a:p>
@@ -4225,7 +4260,7 @@
           <a:p>
             <a:fld id="{6C2C316B-41D4-40BF-81E2-5D7AC1F6020A}" type="datetimeFigureOut">
               <a:rPr lang="en-US" smtClean="0"/>
-              <a:t>5/20/2019</a:t>
+              <a:t>5/21/2019</a:t>
             </a:fld>
             <a:endParaRPr lang="en-US"/>
           </a:p>
@@ -4401,7 +4436,7 @@
           <a:p>
             <a:fld id="{6C2C316B-41D4-40BF-81E2-5D7AC1F6020A}" type="datetimeFigureOut">
               <a:rPr lang="en-US" smtClean="0"/>
-              <a:t>5/20/2019</a:t>
+              <a:t>5/21/2019</a:t>
             </a:fld>
             <a:endParaRPr lang="en-US"/>
           </a:p>
@@ -4648,7 +4683,7 @@
           <a:p>
             <a:fld id="{6C2C316B-41D4-40BF-81E2-5D7AC1F6020A}" type="datetimeFigureOut">
               <a:rPr lang="en-US" smtClean="0"/>
-              <a:t>5/20/2019</a:t>
+              <a:t>5/21/2019</a:t>
             </a:fld>
             <a:endParaRPr lang="en-US"/>
           </a:p>
@@ -4880,7 +4915,7 @@
           <a:p>
             <a:fld id="{6C2C316B-41D4-40BF-81E2-5D7AC1F6020A}" type="datetimeFigureOut">
               <a:rPr lang="en-US" smtClean="0"/>
-              <a:t>5/20/2019</a:t>
+              <a:t>5/21/2019</a:t>
             </a:fld>
             <a:endParaRPr lang="en-US"/>
           </a:p>
@@ -5254,7 +5289,7 @@
           <a:p>
             <a:fld id="{6C2C316B-41D4-40BF-81E2-5D7AC1F6020A}" type="datetimeFigureOut">
               <a:rPr lang="en-US" smtClean="0"/>
-              <a:t>5/20/2019</a:t>
+              <a:t>5/21/2019</a:t>
             </a:fld>
             <a:endParaRPr lang="en-US"/>
           </a:p>
@@ -5377,7 +5412,7 @@
           <a:p>
             <a:fld id="{6C2C316B-41D4-40BF-81E2-5D7AC1F6020A}" type="datetimeFigureOut">
               <a:rPr lang="en-US" smtClean="0"/>
-              <a:t>5/20/2019</a:t>
+              <a:t>5/21/2019</a:t>
             </a:fld>
             <a:endParaRPr lang="en-US"/>
           </a:p>
@@ -5472,7 +5507,7 @@
           <a:p>
             <a:fld id="{6C2C316B-41D4-40BF-81E2-5D7AC1F6020A}" type="datetimeFigureOut">
               <a:rPr lang="en-US" smtClean="0"/>
-              <a:t>5/20/2019</a:t>
+              <a:t>5/21/2019</a:t>
             </a:fld>
             <a:endParaRPr lang="en-US"/>
           </a:p>
@@ -5727,7 +5762,7 @@
           <a:p>
             <a:fld id="{6C2C316B-41D4-40BF-81E2-5D7AC1F6020A}" type="datetimeFigureOut">
               <a:rPr lang="en-US" smtClean="0"/>
-              <a:t>5/20/2019</a:t>
+              <a:t>5/21/2019</a:t>
             </a:fld>
             <a:endParaRPr lang="en-US"/>
           </a:p>
@@ -5990,7 +6025,7 @@
           <a:p>
             <a:fld id="{6C2C316B-41D4-40BF-81E2-5D7AC1F6020A}" type="datetimeFigureOut">
               <a:rPr lang="en-US" smtClean="0"/>
-              <a:t>5/20/2019</a:t>
+              <a:t>5/21/2019</a:t>
             </a:fld>
             <a:endParaRPr lang="en-US"/>
           </a:p>
@@ -6733,7 +6768,7 @@
           <a:p>
             <a:fld id="{6C2C316B-41D4-40BF-81E2-5D7AC1F6020A}" type="datetimeFigureOut">
               <a:rPr lang="en-US" smtClean="0"/>
-              <a:t>5/20/2019</a:t>
+              <a:t>5/21/2019</a:t>
             </a:fld>
             <a:endParaRPr lang="en-US"/>
           </a:p>
@@ -8151,19 +8186,17 @@
       </p:sp>
       <p:pic>
         <p:nvPicPr>
-          <p:cNvPr id="6" name="Content Placeholder 5">
+          <p:cNvPr id="3" name="Picture 2">
             <a:extLst>
               <a:ext uri="{FF2B5EF4-FFF2-40B4-BE49-F238E27FC236}">
-                <a16:creationId xmlns:a16="http://schemas.microsoft.com/office/drawing/2014/main" id="{F246BD20-A91E-41AA-9D75-E9106D61903D}"/>
+                <a16:creationId xmlns:a16="http://schemas.microsoft.com/office/drawing/2014/main" id="{32255FAE-9D83-4F46-BCC0-F102B016B8BB}"/>
               </a:ext>
             </a:extLst>
           </p:cNvPr>
           <p:cNvPicPr>
-            <a:picLocks noGrp="1" noChangeAspect="1"/>
+            <a:picLocks noChangeAspect="1"/>
           </p:cNvPicPr>
-          <p:nvPr>
-            <p:ph idx="1"/>
-          </p:nvPr>
+          <p:nvPr/>
         </p:nvPicPr>
         <p:blipFill>
           <a:blip r:embed="rId2"/>
@@ -8173,14 +8206,96 @@
         </p:blipFill>
         <p:spPr>
           <a:xfrm>
-            <a:off x="1305530" y="2160588"/>
-            <a:ext cx="7340978" cy="3881437"/>
+            <a:off x="398584" y="1533832"/>
+            <a:ext cx="9037202" cy="4714568"/>
           </a:xfrm>
           <a:prstGeom prst="rect">
             <a:avLst/>
           </a:prstGeom>
         </p:spPr>
       </p:pic>
+      <p:cxnSp>
+        <p:nvCxnSpPr>
+          <p:cNvPr id="22" name="Straight Arrow Connector 21">
+            <a:extLst>
+              <a:ext uri="{FF2B5EF4-FFF2-40B4-BE49-F238E27FC236}">
+                <a16:creationId xmlns:a16="http://schemas.microsoft.com/office/drawing/2014/main" id="{B514B67D-6637-4D52-8A75-0E31264F1047}"/>
+              </a:ext>
+            </a:extLst>
+          </p:cNvPr>
+          <p:cNvCxnSpPr/>
+          <p:nvPr/>
+        </p:nvCxnSpPr>
+        <p:spPr>
+          <a:xfrm>
+            <a:off x="3008924" y="1930399"/>
+            <a:ext cx="1297354" cy="0"/>
+          </a:xfrm>
+          <a:prstGeom prst="straightConnector1">
+            <a:avLst/>
+          </a:prstGeom>
+          <a:ln>
+            <a:headEnd type="triangle"/>
+            <a:tailEnd type="triangle"/>
+          </a:ln>
+        </p:spPr>
+        <p:style>
+          <a:lnRef idx="3">
+            <a:schemeClr val="accent5"/>
+          </a:lnRef>
+          <a:fillRef idx="0">
+            <a:schemeClr val="accent5"/>
+          </a:fillRef>
+          <a:effectRef idx="2">
+            <a:schemeClr val="accent5"/>
+          </a:effectRef>
+          <a:fontRef idx="minor">
+            <a:schemeClr val="tx1"/>
+          </a:fontRef>
+        </p:style>
+      </p:cxnSp>
+      <p:cxnSp>
+        <p:nvCxnSpPr>
+          <p:cNvPr id="6" name="Straight Arrow Connector 5">
+            <a:extLst>
+              <a:ext uri="{FF2B5EF4-FFF2-40B4-BE49-F238E27FC236}">
+                <a16:creationId xmlns:a16="http://schemas.microsoft.com/office/drawing/2014/main" id="{BCA58C43-37C3-476B-BFBB-07ED56262E8A}"/>
+              </a:ext>
+            </a:extLst>
+          </p:cNvPr>
+          <p:cNvCxnSpPr>
+            <a:cxnSpLocks/>
+          </p:cNvCxnSpPr>
+          <p:nvPr/>
+        </p:nvCxnSpPr>
+        <p:spPr>
+          <a:xfrm>
+            <a:off x="4386916" y="1910860"/>
+            <a:ext cx="530269" cy="0"/>
+          </a:xfrm>
+          <a:prstGeom prst="straightConnector1">
+            <a:avLst/>
+          </a:prstGeom>
+          <a:ln>
+            <a:headEnd type="triangle"/>
+            <a:tailEnd type="triangle"/>
+          </a:ln>
+        </p:spPr>
+        <p:style>
+          <a:lnRef idx="3">
+            <a:schemeClr val="accent5"/>
+          </a:lnRef>
+          <a:fillRef idx="0">
+            <a:schemeClr val="accent5"/>
+          </a:fillRef>
+          <a:effectRef idx="2">
+            <a:schemeClr val="accent5"/>
+          </a:effectRef>
+          <a:fontRef idx="minor">
+            <a:schemeClr val="tx1"/>
+          </a:fontRef>
+        </p:style>
+      </p:cxnSp>
     </p:spTree>
     <p:extLst>
       <p:ext uri="{BB962C8B-B14F-4D97-AF65-F5344CB8AC3E}">
@@ -8248,21 +8363,118 @@
           </a:p>
         </p:txBody>
       </p:sp>
+      <p:sp>
+        <p:nvSpPr>
+          <p:cNvPr id="4" name="TextBox 3">
+            <a:extLst>
+              <a:ext uri="{FF2B5EF4-FFF2-40B4-BE49-F238E27FC236}">
+                <a16:creationId xmlns:a16="http://schemas.microsoft.com/office/drawing/2014/main" id="{39A8E221-FA6D-4F3E-97CB-A4E741B7D590}"/>
+              </a:ext>
+            </a:extLst>
+          </p:cNvPr>
+          <p:cNvSpPr txBox="1"/>
+          <p:nvPr/>
+        </p:nvSpPr>
+        <p:spPr>
+          <a:xfrm>
+            <a:off x="732940" y="1617784"/>
+            <a:ext cx="7543552" cy="2416046"/>
+          </a:xfrm>
+          <a:prstGeom prst="rect">
+            <a:avLst/>
+          </a:prstGeom>
+          <a:noFill/>
+        </p:spPr>
+        <p:txBody>
+          <a:bodyPr wrap="square" rtlCol="0">
+            <a:spAutoFit/>
+          </a:bodyPr>
+          <a:lstStyle/>
+          <a:p>
+            <a:pPr marL="342900" indent="-342900">
+              <a:buAutoNum type="arabicPeriod"/>
+            </a:pPr>
+            <a:r>
+              <a:rPr lang="en-US" sz="1900" dirty="0"/>
+              <a:t>Unit price of products from different supply regions are ~98 % identical. (based on distribution comparison algorithm) *</a:t>
+            </a:r>
+          </a:p>
+          <a:p>
+            <a:endParaRPr lang="en-US" sz="1900" dirty="0"/>
+          </a:p>
+          <a:p>
+            <a:r>
+              <a:rPr lang="en-US" sz="1900" dirty="0"/>
+              <a:t>2. There is no meaningful difference in supply region on unit price of products. </a:t>
+            </a:r>
+          </a:p>
+          <a:p>
+            <a:endParaRPr lang="en-US" dirty="0"/>
+          </a:p>
+          <a:p>
+            <a:endParaRPr lang="en-US" sz="2000" dirty="0"/>
+          </a:p>
+          <a:p>
+            <a:endParaRPr lang="en-US" dirty="0"/>
+          </a:p>
+        </p:txBody>
+      </p:sp>
+      <p:sp>
+        <p:nvSpPr>
+          <p:cNvPr id="7" name="TextBox 6">
+            <a:extLst>
+              <a:ext uri="{FF2B5EF4-FFF2-40B4-BE49-F238E27FC236}">
+                <a16:creationId xmlns:a16="http://schemas.microsoft.com/office/drawing/2014/main" id="{3BC62A83-1DFB-4869-842C-7E3FA2290BE1}"/>
+              </a:ext>
+            </a:extLst>
+          </p:cNvPr>
+          <p:cNvSpPr txBox="1"/>
+          <p:nvPr/>
+        </p:nvSpPr>
+        <p:spPr>
+          <a:xfrm>
+            <a:off x="476737" y="6148816"/>
+            <a:ext cx="8909539" cy="492443"/>
+          </a:xfrm>
+          <a:prstGeom prst="rect">
+            <a:avLst/>
+          </a:prstGeom>
+          <a:noFill/>
+        </p:spPr>
+        <p:txBody>
+          <a:bodyPr wrap="square" rtlCol="0">
+            <a:spAutoFit/>
+          </a:bodyPr>
+          <a:lstStyle/>
+          <a:p>
+            <a:r>
+              <a:rPr lang="en-US" sz="1200" dirty="0"/>
+              <a:t>* The </a:t>
+            </a:r>
+            <a:r>
+              <a:rPr lang="en-US" sz="1400" b="1" u="sng" dirty="0"/>
+              <a:t>Jensen-Shannon divergence </a:t>
+            </a:r>
+            <a:r>
+              <a:rPr lang="en-US" sz="1200" dirty="0"/>
+              <a:t>is a principled divergence measure which is always finite for finite random variables. It quantifies how “distinguishable” two or more distributions are from each other. </a:t>
+            </a:r>
+          </a:p>
+        </p:txBody>
+      </p:sp>
       <p:pic>
         <p:nvPicPr>
-          <p:cNvPr id="6" name="Content Placeholder 5">
+          <p:cNvPr id="8" name="Picture 7">
             <a:extLst>
               <a:ext uri="{FF2B5EF4-FFF2-40B4-BE49-F238E27FC236}">
-                <a16:creationId xmlns:a16="http://schemas.microsoft.com/office/drawing/2014/main" id="{D29C8A69-5D1E-4D55-83D0-A5C4C8F7E479}"/>
+                <a16:creationId xmlns:a16="http://schemas.microsoft.com/office/drawing/2014/main" id="{05C3E679-B040-44E4-9502-85F514BE9BF3}"/>
               </a:ext>
             </a:extLst>
           </p:cNvPr>
           <p:cNvPicPr>
-            <a:picLocks noGrp="1" noChangeAspect="1"/>
+            <a:picLocks noChangeAspect="1"/>
           </p:cNvPicPr>
-          <p:nvPr>
-            <p:ph idx="1"/>
-          </p:nvPr>
+          <p:nvPr/>
         </p:nvPicPr>
         <p:blipFill>
           <a:blip r:embed="rId3"/>
@@ -8272,8 +8484,8 @@
         </p:blipFill>
         <p:spPr>
           <a:xfrm>
-            <a:off x="1272881" y="2160588"/>
-            <a:ext cx="7406275" cy="3881437"/>
+            <a:off x="1888719" y="3234780"/>
+            <a:ext cx="5645312" cy="3005805"/>
           </a:xfrm>
           <a:prstGeom prst="rect">
             <a:avLst/>

--- a/Module 2 Final Project.pptx
+++ b/Module 2 Final Project.pptx
@@ -571,6 +571,726 @@
 </c:chartSpace>
 </file>
 
+<file path=ppt/charts/chart2.xml><?xml version="1.0" encoding="utf-8"?>
+<c:chartSpace xmlns:c="http://schemas.openxmlformats.org/drawingml/2006/chart" xmlns:a="http://schemas.openxmlformats.org/drawingml/2006/main" xmlns:r="http://schemas.openxmlformats.org/officeDocument/2006/relationships" xmlns:c16r2="http://schemas.microsoft.com/office/drawing/2015/06/chart">
+  <c:date1904 val="0"/>
+  <c:lang val="en-US"/>
+  <c:roundedCorners val="0"/>
+  <mc:AlternateContent xmlns:mc="http://schemas.openxmlformats.org/markup-compatibility/2006">
+    <mc:Choice xmlns:c14="http://schemas.microsoft.com/office/drawing/2007/8/2/chart" Requires="c14">
+      <c14:style val="102"/>
+    </mc:Choice>
+    <mc:Fallback>
+      <c:style val="2"/>
+    </mc:Fallback>
+  </mc:AlternateContent>
+  <c:chart>
+    <c:title>
+      <c:overlay val="0"/>
+      <c:spPr>
+        <a:noFill/>
+        <a:ln>
+          <a:noFill/>
+        </a:ln>
+        <a:effectLst/>
+      </c:spPr>
+      <c:txPr>
+        <a:bodyPr rot="0" spcFirstLastPara="1" vertOverflow="ellipsis" vert="horz" wrap="square" anchor="ctr" anchorCtr="1"/>
+        <a:lstStyle/>
+        <a:p>
+          <a:pPr>
+            <a:defRPr sz="1862" b="0" i="0" u="none" strike="noStrike" kern="1200" spc="0" baseline="0">
+              <a:solidFill>
+                <a:schemeClr val="tx1">
+                  <a:lumMod val="65000"/>
+                  <a:lumOff val="35000"/>
+                </a:schemeClr>
+              </a:solidFill>
+              <a:latin typeface="+mn-lt"/>
+              <a:ea typeface="+mn-ea"/>
+              <a:cs typeface="+mn-cs"/>
+            </a:defRPr>
+          </a:pPr>
+          <a:endParaRPr lang="en-US"/>
+        </a:p>
+      </c:txPr>
+    </c:title>
+    <c:autoTitleDeleted val="0"/>
+    <c:plotArea>
+      <c:layout/>
+      <c:barChart>
+        <c:barDir val="bar"/>
+        <c:grouping val="clustered"/>
+        <c:varyColors val="0"/>
+        <c:ser>
+          <c:idx val="0"/>
+          <c:order val="0"/>
+          <c:tx>
+            <c:strRef>
+              <c:f>Sheet1!$B$1</c:f>
+              <c:strCache>
+                <c:ptCount val="1"/>
+                <c:pt idx="0">
+                  <c:v>Average Shipping Rates</c:v>
+                </c:pt>
+              </c:strCache>
+            </c:strRef>
+          </c:tx>
+          <c:spPr>
+            <a:solidFill>
+              <a:schemeClr val="accent1"/>
+            </a:solidFill>
+            <a:ln>
+              <a:noFill/>
+            </a:ln>
+            <a:effectLst/>
+          </c:spPr>
+          <c:invertIfNegative val="0"/>
+          <c:cat>
+            <c:strRef>
+              <c:f>Sheet1!$A$2:$A$4</c:f>
+              <c:strCache>
+                <c:ptCount val="3"/>
+                <c:pt idx="0">
+                  <c:v>Speedy Express</c:v>
+                </c:pt>
+                <c:pt idx="1">
+                  <c:v>Federal Shipping</c:v>
+                </c:pt>
+                <c:pt idx="2">
+                  <c:v>United Packages</c:v>
+                </c:pt>
+              </c:strCache>
+            </c:strRef>
+          </c:cat>
+          <c:val>
+            <c:numRef>
+              <c:f>Sheet1!$B$2:$B$4</c:f>
+              <c:numCache>
+                <c:formatCode>General</c:formatCode>
+                <c:ptCount val="3"/>
+                <c:pt idx="0">
+                  <c:v>64.7</c:v>
+                </c:pt>
+                <c:pt idx="1">
+                  <c:v>80.599999999999994</c:v>
+                </c:pt>
+                <c:pt idx="2">
+                  <c:v>86.8</c:v>
+                </c:pt>
+              </c:numCache>
+            </c:numRef>
+          </c:val>
+          <c:extLst>
+            <c:ext xmlns:c16="http://schemas.microsoft.com/office/drawing/2014/chart" uri="{C3380CC4-5D6E-409C-BE32-E72D297353CC}">
+              <c16:uniqueId val="{00000000-93D0-409F-AAFD-0AED50C3C149}"/>
+            </c:ext>
+          </c:extLst>
+        </c:ser>
+        <c:dLbls>
+          <c:showLegendKey val="0"/>
+          <c:showVal val="0"/>
+          <c:showCatName val="0"/>
+          <c:showSerName val="0"/>
+          <c:showPercent val="0"/>
+          <c:showBubbleSize val="0"/>
+        </c:dLbls>
+        <c:gapWidth val="182"/>
+        <c:axId val="317539608"/>
+        <c:axId val="324180464"/>
+      </c:barChart>
+      <c:catAx>
+        <c:axId val="317539608"/>
+        <c:scaling>
+          <c:orientation val="minMax"/>
+        </c:scaling>
+        <c:delete val="0"/>
+        <c:axPos val="l"/>
+        <c:numFmt formatCode="General" sourceLinked="1"/>
+        <c:majorTickMark val="none"/>
+        <c:minorTickMark val="none"/>
+        <c:tickLblPos val="nextTo"/>
+        <c:spPr>
+          <a:noFill/>
+          <a:ln w="9525" cap="flat" cmpd="sng" algn="ctr">
+            <a:solidFill>
+              <a:schemeClr val="tx1">
+                <a:lumMod val="15000"/>
+                <a:lumOff val="85000"/>
+              </a:schemeClr>
+            </a:solidFill>
+            <a:round/>
+          </a:ln>
+          <a:effectLst/>
+        </c:spPr>
+        <c:txPr>
+          <a:bodyPr rot="-60000000" spcFirstLastPara="1" vertOverflow="ellipsis" vert="horz" wrap="square" anchor="ctr" anchorCtr="1"/>
+          <a:lstStyle/>
+          <a:p>
+            <a:pPr>
+              <a:defRPr sz="1197" b="0" i="0" u="none" strike="noStrike" kern="1200" baseline="0">
+                <a:solidFill>
+                  <a:schemeClr val="tx1">
+                    <a:lumMod val="65000"/>
+                    <a:lumOff val="35000"/>
+                  </a:schemeClr>
+                </a:solidFill>
+                <a:latin typeface="+mn-lt"/>
+                <a:ea typeface="+mn-ea"/>
+                <a:cs typeface="+mn-cs"/>
+              </a:defRPr>
+            </a:pPr>
+            <a:endParaRPr lang="en-US"/>
+          </a:p>
+        </c:txPr>
+        <c:crossAx val="324180464"/>
+        <c:crosses val="autoZero"/>
+        <c:auto val="1"/>
+        <c:lblAlgn val="ctr"/>
+        <c:lblOffset val="100"/>
+        <c:noMultiLvlLbl val="0"/>
+      </c:catAx>
+      <c:valAx>
+        <c:axId val="324180464"/>
+        <c:scaling>
+          <c:orientation val="minMax"/>
+        </c:scaling>
+        <c:delete val="0"/>
+        <c:axPos val="b"/>
+        <c:majorGridlines>
+          <c:spPr>
+            <a:ln w="9525" cap="flat" cmpd="sng" algn="ctr">
+              <a:solidFill>
+                <a:schemeClr val="tx1">
+                  <a:lumMod val="15000"/>
+                  <a:lumOff val="85000"/>
+                </a:schemeClr>
+              </a:solidFill>
+              <a:round/>
+            </a:ln>
+            <a:effectLst/>
+          </c:spPr>
+        </c:majorGridlines>
+        <c:numFmt formatCode="General" sourceLinked="1"/>
+        <c:majorTickMark val="none"/>
+        <c:minorTickMark val="none"/>
+        <c:tickLblPos val="nextTo"/>
+        <c:spPr>
+          <a:noFill/>
+          <a:ln>
+            <a:noFill/>
+          </a:ln>
+          <a:effectLst/>
+        </c:spPr>
+        <c:txPr>
+          <a:bodyPr rot="-60000000" spcFirstLastPara="1" vertOverflow="ellipsis" vert="horz" wrap="square" anchor="ctr" anchorCtr="1"/>
+          <a:lstStyle/>
+          <a:p>
+            <a:pPr>
+              <a:defRPr sz="1197" b="0" i="0" u="none" strike="noStrike" kern="1200" baseline="0">
+                <a:solidFill>
+                  <a:schemeClr val="tx1">
+                    <a:lumMod val="65000"/>
+                    <a:lumOff val="35000"/>
+                  </a:schemeClr>
+                </a:solidFill>
+                <a:latin typeface="+mn-lt"/>
+                <a:ea typeface="+mn-ea"/>
+                <a:cs typeface="+mn-cs"/>
+              </a:defRPr>
+            </a:pPr>
+            <a:endParaRPr lang="en-US"/>
+          </a:p>
+        </c:txPr>
+        <c:crossAx val="317539608"/>
+        <c:crosses val="autoZero"/>
+        <c:crossBetween val="between"/>
+      </c:valAx>
+      <c:spPr>
+        <a:noFill/>
+        <a:ln>
+          <a:noFill/>
+        </a:ln>
+        <a:effectLst/>
+      </c:spPr>
+    </c:plotArea>
+    <c:legend>
+      <c:legendPos val="b"/>
+      <c:overlay val="0"/>
+      <c:spPr>
+        <a:noFill/>
+        <a:ln>
+          <a:noFill/>
+        </a:ln>
+        <a:effectLst/>
+      </c:spPr>
+      <c:txPr>
+        <a:bodyPr rot="0" spcFirstLastPara="1" vertOverflow="ellipsis" vert="horz" wrap="square" anchor="ctr" anchorCtr="1"/>
+        <a:lstStyle/>
+        <a:p>
+          <a:pPr>
+            <a:defRPr sz="1197" b="0" i="0" u="none" strike="noStrike" kern="1200" baseline="0">
+              <a:solidFill>
+                <a:schemeClr val="tx1">
+                  <a:lumMod val="65000"/>
+                  <a:lumOff val="35000"/>
+                </a:schemeClr>
+              </a:solidFill>
+              <a:latin typeface="+mn-lt"/>
+              <a:ea typeface="+mn-ea"/>
+              <a:cs typeface="+mn-cs"/>
+            </a:defRPr>
+          </a:pPr>
+          <a:endParaRPr lang="en-US"/>
+        </a:p>
+      </c:txPr>
+    </c:legend>
+    <c:plotVisOnly val="1"/>
+    <c:dispBlanksAs val="gap"/>
+    <c:extLst>
+      <c:ext xmlns:c16r3="http://schemas.microsoft.com/office/drawing/2017/03/chart" uri="{56B9EC1D-385E-4148-901F-78D8002777C0}">
+        <c16r3:dataDisplayOptions16>
+          <c16r3:dispNaAsBlank val="1"/>
+        </c16r3:dataDisplayOptions16>
+      </c:ext>
+    </c:extLst>
+    <c:showDLblsOverMax val="0"/>
+  </c:chart>
+  <c:spPr>
+    <a:noFill/>
+    <a:ln>
+      <a:noFill/>
+    </a:ln>
+    <a:effectLst/>
+  </c:spPr>
+  <c:txPr>
+    <a:bodyPr/>
+    <a:lstStyle/>
+    <a:p>
+      <a:pPr>
+        <a:defRPr/>
+      </a:pPr>
+      <a:endParaRPr lang="en-US"/>
+    </a:p>
+  </c:txPr>
+  <c:externalData r:id="rId3">
+    <c:autoUpdate val="0"/>
+  </c:externalData>
+</c:chartSpace>
+</file>
+
+<file path=ppt/charts/chart3.xml><?xml version="1.0" encoding="utf-8"?>
+<c:chartSpace xmlns:c="http://schemas.openxmlformats.org/drawingml/2006/chart" xmlns:a="http://schemas.openxmlformats.org/drawingml/2006/main" xmlns:r="http://schemas.openxmlformats.org/officeDocument/2006/relationships" xmlns:c16r2="http://schemas.microsoft.com/office/drawing/2015/06/chart">
+  <c:date1904 val="0"/>
+  <c:lang val="en-US"/>
+  <c:roundedCorners val="0"/>
+  <mc:AlternateContent xmlns:mc="http://schemas.openxmlformats.org/markup-compatibility/2006">
+    <mc:Choice xmlns:c14="http://schemas.microsoft.com/office/drawing/2007/8/2/chart" Requires="c14">
+      <c14:style val="102"/>
+    </mc:Choice>
+    <mc:Fallback>
+      <c:style val="2"/>
+    </mc:Fallback>
+  </mc:AlternateContent>
+  <c:chart>
+    <c:title>
+      <c:overlay val="0"/>
+      <c:spPr>
+        <a:noFill/>
+        <a:ln>
+          <a:noFill/>
+        </a:ln>
+        <a:effectLst/>
+      </c:spPr>
+      <c:txPr>
+        <a:bodyPr rot="0" spcFirstLastPara="1" vertOverflow="ellipsis" vert="horz" wrap="square" anchor="ctr" anchorCtr="1"/>
+        <a:lstStyle/>
+        <a:p>
+          <a:pPr>
+            <a:defRPr sz="2200" b="1" i="0" u="none" strike="noStrike" kern="1200" cap="all" baseline="0">
+              <a:solidFill>
+                <a:schemeClr val="tx1">
+                  <a:lumMod val="65000"/>
+                  <a:lumOff val="35000"/>
+                </a:schemeClr>
+              </a:solidFill>
+              <a:latin typeface="+mn-lt"/>
+              <a:ea typeface="+mn-ea"/>
+              <a:cs typeface="+mn-cs"/>
+            </a:defRPr>
+          </a:pPr>
+          <a:endParaRPr lang="en-US"/>
+        </a:p>
+      </c:txPr>
+    </c:title>
+    <c:autoTitleDeleted val="0"/>
+    <c:view3D>
+      <c:rotX val="50"/>
+      <c:rotY val="0"/>
+      <c:depthPercent val="100"/>
+      <c:rAngAx val="0"/>
+    </c:view3D>
+    <c:floor>
+      <c:thickness val="0"/>
+      <c:spPr>
+        <a:noFill/>
+        <a:ln>
+          <a:noFill/>
+        </a:ln>
+        <a:effectLst/>
+        <a:sp3d/>
+      </c:spPr>
+    </c:floor>
+    <c:sideWall>
+      <c:thickness val="0"/>
+      <c:spPr>
+        <a:noFill/>
+        <a:ln>
+          <a:noFill/>
+        </a:ln>
+        <a:effectLst/>
+        <a:sp3d/>
+      </c:spPr>
+    </c:sideWall>
+    <c:backWall>
+      <c:thickness val="0"/>
+      <c:spPr>
+        <a:noFill/>
+        <a:ln>
+          <a:noFill/>
+        </a:ln>
+        <a:effectLst/>
+        <a:sp3d/>
+      </c:spPr>
+    </c:backWall>
+    <c:plotArea>
+      <c:layout/>
+      <c:pie3DChart>
+        <c:varyColors val="1"/>
+        <c:ser>
+          <c:idx val="0"/>
+          <c:order val="0"/>
+          <c:tx>
+            <c:strRef>
+              <c:f>Sheet1!$B$1</c:f>
+              <c:strCache>
+                <c:ptCount val="1"/>
+                <c:pt idx="0">
+                  <c:v>Different Supply Region Distribution</c:v>
+                </c:pt>
+              </c:strCache>
+            </c:strRef>
+          </c:tx>
+          <c:dPt>
+            <c:idx val="0"/>
+            <c:bubble3D val="0"/>
+            <c:spPr>
+              <a:solidFill>
+                <a:schemeClr val="accent1">
+                  <a:alpha val="90000"/>
+                </a:schemeClr>
+              </a:solidFill>
+              <a:ln w="19050">
+                <a:solidFill>
+                  <a:schemeClr val="accent1">
+                    <a:lumMod val="75000"/>
+                  </a:schemeClr>
+                </a:solidFill>
+              </a:ln>
+              <a:effectLst>
+                <a:innerShdw blurRad="114300">
+                  <a:schemeClr val="accent1">
+                    <a:lumMod val="75000"/>
+                  </a:schemeClr>
+                </a:innerShdw>
+              </a:effectLst>
+              <a:scene3d>
+                <a:camera prst="orthographicFront"/>
+                <a:lightRig rig="threePt" dir="t"/>
+              </a:scene3d>
+              <a:sp3d contourW="19050" prstMaterial="flat">
+                <a:contourClr>
+                  <a:schemeClr val="accent1">
+                    <a:lumMod val="75000"/>
+                  </a:schemeClr>
+                </a:contourClr>
+              </a:sp3d>
+            </c:spPr>
+            <c:extLst>
+              <c:ext xmlns:c16="http://schemas.microsoft.com/office/drawing/2014/chart" uri="{C3380CC4-5D6E-409C-BE32-E72D297353CC}">
+                <c16:uniqueId val="{00000001-884B-4613-B216-CD30CD22833B}"/>
+              </c:ext>
+            </c:extLst>
+          </c:dPt>
+          <c:dPt>
+            <c:idx val="1"/>
+            <c:bubble3D val="0"/>
+            <c:spPr>
+              <a:solidFill>
+                <a:schemeClr val="accent3">
+                  <a:alpha val="90000"/>
+                </a:schemeClr>
+              </a:solidFill>
+              <a:ln w="19050">
+                <a:solidFill>
+                  <a:schemeClr val="accent3">
+                    <a:lumMod val="75000"/>
+                  </a:schemeClr>
+                </a:solidFill>
+              </a:ln>
+              <a:effectLst>
+                <a:innerShdw blurRad="114300">
+                  <a:schemeClr val="accent3">
+                    <a:lumMod val="75000"/>
+                  </a:schemeClr>
+                </a:innerShdw>
+              </a:effectLst>
+              <a:scene3d>
+                <a:camera prst="orthographicFront"/>
+                <a:lightRig rig="threePt" dir="t"/>
+              </a:scene3d>
+              <a:sp3d contourW="19050" prstMaterial="flat">
+                <a:contourClr>
+                  <a:schemeClr val="accent3">
+                    <a:lumMod val="75000"/>
+                  </a:schemeClr>
+                </a:contourClr>
+              </a:sp3d>
+            </c:spPr>
+            <c:extLst>
+              <c:ext xmlns:c16="http://schemas.microsoft.com/office/drawing/2014/chart" uri="{C3380CC4-5D6E-409C-BE32-E72D297353CC}">
+                <c16:uniqueId val="{00000002-884B-4613-B216-CD30CD22833B}"/>
+              </c:ext>
+            </c:extLst>
+          </c:dPt>
+          <c:dLbls>
+            <c:dLbl>
+              <c:idx val="0"/>
+              <c:spPr>
+                <a:solidFill>
+                  <a:schemeClr val="lt1">
+                    <a:alpha val="90000"/>
+                  </a:schemeClr>
+                </a:solidFill>
+                <a:ln w="12700" cap="flat" cmpd="sng" algn="ctr">
+                  <a:solidFill>
+                    <a:schemeClr val="accent1"/>
+                  </a:solidFill>
+                  <a:round/>
+                </a:ln>
+                <a:effectLst>
+                  <a:outerShdw blurRad="50800" dist="38100" dir="2700000" algn="tl" rotWithShape="0">
+                    <a:schemeClr val="accent1">
+                      <a:lumMod val="75000"/>
+                      <a:alpha val="40000"/>
+                    </a:schemeClr>
+                  </a:outerShdw>
+                </a:effectLst>
+              </c:spPr>
+              <c:txPr>
+                <a:bodyPr rot="0" spcFirstLastPara="1" vertOverflow="clip" horzOverflow="clip" vert="horz" wrap="square" lIns="38100" tIns="19050" rIns="38100" bIns="19050" anchor="ctr" anchorCtr="1">
+                  <a:spAutoFit/>
+                </a:bodyPr>
+                <a:lstStyle/>
+                <a:p>
+                  <a:pPr>
+                    <a:defRPr sz="1330" b="0" i="0" u="none" strike="noStrike" kern="1200" baseline="0">
+                      <a:solidFill>
+                        <a:schemeClr val="accent1"/>
+                      </a:solidFill>
+                      <a:effectLst/>
+                      <a:latin typeface="+mn-lt"/>
+                      <a:ea typeface="+mn-ea"/>
+                      <a:cs typeface="+mn-cs"/>
+                    </a:defRPr>
+                  </a:pPr>
+                  <a:endParaRPr lang="en-US"/>
+                </a:p>
+              </c:txPr>
+              <c:dLblPos val="inEnd"/>
+              <c:showLegendKey val="0"/>
+              <c:showVal val="1"/>
+              <c:showCatName val="1"/>
+              <c:showSerName val="0"/>
+              <c:showPercent val="0"/>
+              <c:showBubbleSize val="0"/>
+              <c:extLst>
+                <c:ext xmlns:c16="http://schemas.microsoft.com/office/drawing/2014/chart" uri="{C3380CC4-5D6E-409C-BE32-E72D297353CC}">
+                  <c16:uniqueId val="{00000001-884B-4613-B216-CD30CD22833B}"/>
+                </c:ext>
+              </c:extLst>
+            </c:dLbl>
+            <c:dLbl>
+              <c:idx val="1"/>
+              <c:spPr>
+                <a:solidFill>
+                  <a:schemeClr val="lt1">
+                    <a:alpha val="90000"/>
+                  </a:schemeClr>
+                </a:solidFill>
+                <a:ln w="12700" cap="flat" cmpd="sng" algn="ctr">
+                  <a:solidFill>
+                    <a:schemeClr val="accent3"/>
+                  </a:solidFill>
+                  <a:round/>
+                </a:ln>
+                <a:effectLst>
+                  <a:outerShdw blurRad="50800" dist="38100" dir="2700000" algn="tl" rotWithShape="0">
+                    <a:schemeClr val="accent3">
+                      <a:lumMod val="75000"/>
+                      <a:alpha val="40000"/>
+                    </a:schemeClr>
+                  </a:outerShdw>
+                </a:effectLst>
+              </c:spPr>
+              <c:txPr>
+                <a:bodyPr rot="0" spcFirstLastPara="1" vertOverflow="clip" horzOverflow="clip" vert="horz" wrap="square" lIns="38100" tIns="19050" rIns="38100" bIns="19050" anchor="ctr" anchorCtr="1">
+                  <a:spAutoFit/>
+                </a:bodyPr>
+                <a:lstStyle/>
+                <a:p>
+                  <a:pPr>
+                    <a:defRPr sz="1330" b="0" i="0" u="none" strike="noStrike" kern="1200" baseline="0">
+                      <a:solidFill>
+                        <a:schemeClr val="accent3"/>
+                      </a:solidFill>
+                      <a:effectLst/>
+                      <a:latin typeface="+mn-lt"/>
+                      <a:ea typeface="+mn-ea"/>
+                      <a:cs typeface="+mn-cs"/>
+                    </a:defRPr>
+                  </a:pPr>
+                  <a:endParaRPr lang="en-US"/>
+                </a:p>
+              </c:txPr>
+              <c:dLblPos val="inEnd"/>
+              <c:showLegendKey val="0"/>
+              <c:showVal val="1"/>
+              <c:showCatName val="1"/>
+              <c:showSerName val="0"/>
+              <c:showPercent val="0"/>
+              <c:showBubbleSize val="0"/>
+              <c:extLst>
+                <c:ext xmlns:c16="http://schemas.microsoft.com/office/drawing/2014/chart" uri="{C3380CC4-5D6E-409C-BE32-E72D297353CC}">
+                  <c16:uniqueId val="{00000002-884B-4613-B216-CD30CD22833B}"/>
+                </c:ext>
+              </c:extLst>
+            </c:dLbl>
+            <c:dLblPos val="inEnd"/>
+            <c:showLegendKey val="0"/>
+            <c:showVal val="1"/>
+            <c:showCatName val="1"/>
+            <c:showSerName val="0"/>
+            <c:showPercent val="0"/>
+            <c:showBubbleSize val="0"/>
+            <c:showLeaderLines val="1"/>
+            <c:leaderLines>
+              <c:spPr>
+                <a:ln w="9525">
+                  <a:solidFill>
+                    <a:schemeClr val="tx1">
+                      <a:lumMod val="35000"/>
+                      <a:lumOff val="65000"/>
+                    </a:schemeClr>
+                  </a:solidFill>
+                </a:ln>
+                <a:effectLst/>
+              </c:spPr>
+            </c:leaderLines>
+            <c:extLst>
+              <c:ext xmlns:c15="http://schemas.microsoft.com/office/drawing/2012/chart" uri="{CE6537A1-D6FC-4f65-9D91-7224C49458BB}"/>
+            </c:extLst>
+          </c:dLbls>
+          <c:cat>
+            <c:strRef>
+              <c:f>Sheet1!$A$2:$A$3</c:f>
+              <c:strCache>
+                <c:ptCount val="2"/>
+                <c:pt idx="0">
+                  <c:v>Identical</c:v>
+                </c:pt>
+                <c:pt idx="1">
+                  <c:v>Different</c:v>
+                </c:pt>
+              </c:strCache>
+            </c:strRef>
+          </c:cat>
+          <c:val>
+            <c:numRef>
+              <c:f>Sheet1!$B$2:$B$3</c:f>
+              <c:numCache>
+                <c:formatCode>General</c:formatCode>
+                <c:ptCount val="2"/>
+                <c:pt idx="0">
+                  <c:v>98</c:v>
+                </c:pt>
+                <c:pt idx="1">
+                  <c:v>2</c:v>
+                </c:pt>
+              </c:numCache>
+            </c:numRef>
+          </c:val>
+          <c:extLst>
+            <c:ext xmlns:c16="http://schemas.microsoft.com/office/drawing/2014/chart" uri="{C3380CC4-5D6E-409C-BE32-E72D297353CC}">
+              <c16:uniqueId val="{00000000-884B-4613-B216-CD30CD22833B}"/>
+            </c:ext>
+          </c:extLst>
+        </c:ser>
+        <c:dLbls>
+          <c:dLblPos val="inEnd"/>
+          <c:showLegendKey val="0"/>
+          <c:showVal val="1"/>
+          <c:showCatName val="0"/>
+          <c:showSerName val="0"/>
+          <c:showPercent val="0"/>
+          <c:showBubbleSize val="0"/>
+          <c:showLeaderLines val="1"/>
+        </c:dLbls>
+      </c:pie3DChart>
+      <c:spPr>
+        <a:noFill/>
+        <a:ln>
+          <a:solidFill>
+            <a:schemeClr val="accent1"/>
+          </a:solidFill>
+        </a:ln>
+        <a:effectLst/>
+      </c:spPr>
+    </c:plotArea>
+    <c:plotVisOnly val="1"/>
+    <c:dispBlanksAs val="gap"/>
+    <c:extLst>
+      <c:ext xmlns:c16r3="http://schemas.microsoft.com/office/drawing/2017/03/chart" uri="{56B9EC1D-385E-4148-901F-78D8002777C0}">
+        <c16r3:dataDisplayOptions16>
+          <c16r3:dispNaAsBlank val="1"/>
+        </c16r3:dataDisplayOptions16>
+      </c:ext>
+    </c:extLst>
+    <c:showDLblsOverMax val="0"/>
+  </c:chart>
+  <c:spPr>
+    <a:noFill/>
+    <a:ln>
+      <a:noFill/>
+    </a:ln>
+    <a:effectLst/>
+  </c:spPr>
+  <c:txPr>
+    <a:bodyPr/>
+    <a:lstStyle/>
+    <a:p>
+      <a:pPr>
+        <a:defRPr/>
+      </a:pPr>
+      <a:endParaRPr lang="en-US"/>
+    </a:p>
+  </c:txPr>
+  <c:externalData r:id="rId3">
+    <c:autoUpdate val="0"/>
+  </c:externalData>
+</c:chartSpace>
+</file>
+
 <file path=ppt/charts/colors1.xml><?xml version="1.0" encoding="utf-8"?>
 <cs:colorStyle xmlns:cs="http://schemas.microsoft.com/office/drawing/2012/chartStyle" xmlns:a="http://schemas.openxmlformats.org/drawingml/2006/main" meth="cycle" id="10">
   <a:schemeClr val="accent1"/>
@@ -579,6 +1299,80 @@
   <a:schemeClr val="accent4"/>
   <a:schemeClr val="accent5"/>
   <a:schemeClr val="accent6"/>
+  <cs:variation/>
+  <cs:variation>
+    <a:lumMod val="60000"/>
+  </cs:variation>
+  <cs:variation>
+    <a:lumMod val="80000"/>
+    <a:lumOff val="20000"/>
+  </cs:variation>
+  <cs:variation>
+    <a:lumMod val="80000"/>
+  </cs:variation>
+  <cs:variation>
+    <a:lumMod val="60000"/>
+    <a:lumOff val="40000"/>
+  </cs:variation>
+  <cs:variation>
+    <a:lumMod val="50000"/>
+  </cs:variation>
+  <cs:variation>
+    <a:lumMod val="70000"/>
+    <a:lumOff val="30000"/>
+  </cs:variation>
+  <cs:variation>
+    <a:lumMod val="70000"/>
+  </cs:variation>
+  <cs:variation>
+    <a:lumMod val="50000"/>
+    <a:lumOff val="50000"/>
+  </cs:variation>
+</cs:colorStyle>
+</file>
+
+<file path=ppt/charts/colors2.xml><?xml version="1.0" encoding="utf-8"?>
+<cs:colorStyle xmlns:cs="http://schemas.microsoft.com/office/drawing/2012/chartStyle" xmlns:a="http://schemas.openxmlformats.org/drawingml/2006/main" meth="cycle" id="11">
+  <a:schemeClr val="accent1"/>
+  <a:schemeClr val="accent3"/>
+  <a:schemeClr val="accent5"/>
+  <cs:variation/>
+  <cs:variation>
+    <a:lumMod val="60000"/>
+  </cs:variation>
+  <cs:variation>
+    <a:lumMod val="80000"/>
+    <a:lumOff val="20000"/>
+  </cs:variation>
+  <cs:variation>
+    <a:lumMod val="80000"/>
+  </cs:variation>
+  <cs:variation>
+    <a:lumMod val="60000"/>
+    <a:lumOff val="40000"/>
+  </cs:variation>
+  <cs:variation>
+    <a:lumMod val="50000"/>
+  </cs:variation>
+  <cs:variation>
+    <a:lumMod val="70000"/>
+    <a:lumOff val="30000"/>
+  </cs:variation>
+  <cs:variation>
+    <a:lumMod val="70000"/>
+  </cs:variation>
+  <cs:variation>
+    <a:lumMod val="50000"/>
+    <a:lumOff val="50000"/>
+  </cs:variation>
+</cs:colorStyle>
+</file>
+
+<file path=ppt/charts/colors3.xml><?xml version="1.0" encoding="utf-8"?>
+<cs:colorStyle xmlns:cs="http://schemas.microsoft.com/office/drawing/2012/chartStyle" xmlns:a="http://schemas.openxmlformats.org/drawingml/2006/main" meth="cycle" id="11">
+  <a:schemeClr val="accent1"/>
+  <a:schemeClr val="accent3"/>
+  <a:schemeClr val="accent5"/>
   <cs:variation/>
   <cs:variation>
     <a:lumMod val="60000"/>
@@ -1128,6 +1922,1079 @@
 </cs:chartStyle>
 </file>
 
+<file path=ppt/charts/style2.xml><?xml version="1.0" encoding="utf-8"?>
+<cs:chartStyle xmlns:cs="http://schemas.microsoft.com/office/drawing/2012/chartStyle" xmlns:a="http://schemas.openxmlformats.org/drawingml/2006/main" id="216">
+  <cs:axisTitle>
+    <cs:lnRef idx="0"/>
+    <cs:fillRef idx="0"/>
+    <cs:effectRef idx="0"/>
+    <cs:fontRef idx="minor">
+      <a:schemeClr val="tx1">
+        <a:lumMod val="65000"/>
+        <a:lumOff val="35000"/>
+      </a:schemeClr>
+    </cs:fontRef>
+    <cs:defRPr sz="1330" kern="1200"/>
+  </cs:axisTitle>
+  <cs:categoryAxis>
+    <cs:lnRef idx="0"/>
+    <cs:fillRef idx="0"/>
+    <cs:effectRef idx="0"/>
+    <cs:fontRef idx="minor">
+      <a:schemeClr val="tx1">
+        <a:lumMod val="65000"/>
+        <a:lumOff val="35000"/>
+      </a:schemeClr>
+    </cs:fontRef>
+    <cs:spPr>
+      <a:ln w="9525" cap="flat" cmpd="sng" algn="ctr">
+        <a:solidFill>
+          <a:schemeClr val="tx1">
+            <a:lumMod val="15000"/>
+            <a:lumOff val="85000"/>
+          </a:schemeClr>
+        </a:solidFill>
+        <a:round/>
+      </a:ln>
+    </cs:spPr>
+    <cs:defRPr sz="1197" kern="1200"/>
+  </cs:categoryAxis>
+  <cs:chartArea mods="allowNoFillOverride allowNoLineOverride">
+    <cs:lnRef idx="0"/>
+    <cs:fillRef idx="0"/>
+    <cs:effectRef idx="0"/>
+    <cs:fontRef idx="minor">
+      <a:schemeClr val="tx1"/>
+    </cs:fontRef>
+    <cs:spPr>
+      <a:solidFill>
+        <a:schemeClr val="bg1"/>
+      </a:solidFill>
+      <a:ln w="9525" cap="flat" cmpd="sng" algn="ctr">
+        <a:solidFill>
+          <a:schemeClr val="tx1">
+            <a:lumMod val="15000"/>
+            <a:lumOff val="85000"/>
+          </a:schemeClr>
+        </a:solidFill>
+        <a:round/>
+      </a:ln>
+    </cs:spPr>
+    <cs:defRPr sz="1330" kern="1200"/>
+  </cs:chartArea>
+  <cs:dataLabel>
+    <cs:lnRef idx="0"/>
+    <cs:fillRef idx="0"/>
+    <cs:effectRef idx="0"/>
+    <cs:fontRef idx="minor">
+      <a:schemeClr val="tx1">
+        <a:lumMod val="75000"/>
+        <a:lumOff val="25000"/>
+      </a:schemeClr>
+    </cs:fontRef>
+    <cs:defRPr sz="1197" kern="1200"/>
+  </cs:dataLabel>
+  <cs:dataLabelCallout>
+    <cs:lnRef idx="0"/>
+    <cs:fillRef idx="0"/>
+    <cs:effectRef idx="0"/>
+    <cs:fontRef idx="minor">
+      <a:schemeClr val="dk1">
+        <a:lumMod val="65000"/>
+        <a:lumOff val="35000"/>
+      </a:schemeClr>
+    </cs:fontRef>
+    <cs:spPr>
+      <a:solidFill>
+        <a:schemeClr val="lt1"/>
+      </a:solidFill>
+      <a:ln>
+        <a:solidFill>
+          <a:schemeClr val="dk1">
+            <a:lumMod val="25000"/>
+            <a:lumOff val="75000"/>
+          </a:schemeClr>
+        </a:solidFill>
+      </a:ln>
+    </cs:spPr>
+    <cs:defRPr sz="1197" kern="1200"/>
+    <cs:bodyPr rot="0" spcFirstLastPara="1" vertOverflow="clip" horzOverflow="clip" vert="horz" wrap="square" lIns="36576" tIns="18288" rIns="36576" bIns="18288" anchor="ctr" anchorCtr="1">
+      <a:spAutoFit/>
+    </cs:bodyPr>
+  </cs:dataLabelCallout>
+  <cs:dataPoint>
+    <cs:lnRef idx="0"/>
+    <cs:fillRef idx="1">
+      <cs:styleClr val="auto"/>
+    </cs:fillRef>
+    <cs:effectRef idx="0"/>
+    <cs:fontRef idx="minor">
+      <a:schemeClr val="tx1"/>
+    </cs:fontRef>
+  </cs:dataPoint>
+  <cs:dataPoint3D>
+    <cs:lnRef idx="0"/>
+    <cs:fillRef idx="1">
+      <cs:styleClr val="auto"/>
+    </cs:fillRef>
+    <cs:effectRef idx="0"/>
+    <cs:fontRef idx="minor">
+      <a:schemeClr val="tx1"/>
+    </cs:fontRef>
+  </cs:dataPoint3D>
+  <cs:dataPointLine>
+    <cs:lnRef idx="0">
+      <cs:styleClr val="auto"/>
+    </cs:lnRef>
+    <cs:fillRef idx="1"/>
+    <cs:effectRef idx="0"/>
+    <cs:fontRef idx="minor">
+      <a:schemeClr val="tx1"/>
+    </cs:fontRef>
+    <cs:spPr>
+      <a:ln w="28575" cap="rnd">
+        <a:solidFill>
+          <a:schemeClr val="phClr"/>
+        </a:solidFill>
+        <a:round/>
+      </a:ln>
+    </cs:spPr>
+  </cs:dataPointLine>
+  <cs:dataPointMarker>
+    <cs:lnRef idx="0">
+      <cs:styleClr val="auto"/>
+    </cs:lnRef>
+    <cs:fillRef idx="1">
+      <cs:styleClr val="auto"/>
+    </cs:fillRef>
+    <cs:effectRef idx="0"/>
+    <cs:fontRef idx="minor">
+      <a:schemeClr val="tx1"/>
+    </cs:fontRef>
+    <cs:spPr>
+      <a:ln w="9525">
+        <a:solidFill>
+          <a:schemeClr val="phClr"/>
+        </a:solidFill>
+      </a:ln>
+    </cs:spPr>
+  </cs:dataPointMarker>
+  <cs:dataPointMarkerLayout symbol="circle" size="5"/>
+  <cs:dataPointWireframe>
+    <cs:lnRef idx="0">
+      <cs:styleClr val="auto"/>
+    </cs:lnRef>
+    <cs:fillRef idx="1"/>
+    <cs:effectRef idx="0"/>
+    <cs:fontRef idx="minor">
+      <a:schemeClr val="tx1"/>
+    </cs:fontRef>
+    <cs:spPr>
+      <a:ln w="9525" cap="rnd">
+        <a:solidFill>
+          <a:schemeClr val="phClr"/>
+        </a:solidFill>
+        <a:round/>
+      </a:ln>
+    </cs:spPr>
+  </cs:dataPointWireframe>
+  <cs:dataTable>
+    <cs:lnRef idx="0"/>
+    <cs:fillRef idx="0"/>
+    <cs:effectRef idx="0"/>
+    <cs:fontRef idx="minor">
+      <a:schemeClr val="tx1">
+        <a:lumMod val="65000"/>
+        <a:lumOff val="35000"/>
+      </a:schemeClr>
+    </cs:fontRef>
+    <cs:spPr>
+      <a:noFill/>
+      <a:ln w="9525" cap="flat" cmpd="sng" algn="ctr">
+        <a:solidFill>
+          <a:schemeClr val="tx1">
+            <a:lumMod val="15000"/>
+            <a:lumOff val="85000"/>
+          </a:schemeClr>
+        </a:solidFill>
+        <a:round/>
+      </a:ln>
+    </cs:spPr>
+    <cs:defRPr sz="1197" kern="1200"/>
+  </cs:dataTable>
+  <cs:downBar>
+    <cs:lnRef idx="0"/>
+    <cs:fillRef idx="0"/>
+    <cs:effectRef idx="0"/>
+    <cs:fontRef idx="minor">
+      <a:schemeClr val="tx1"/>
+    </cs:fontRef>
+    <cs:spPr>
+      <a:solidFill>
+        <a:schemeClr val="dk1">
+          <a:lumMod val="75000"/>
+          <a:lumOff val="25000"/>
+        </a:schemeClr>
+      </a:solidFill>
+      <a:ln w="9525" cap="flat" cmpd="sng" algn="ctr">
+        <a:solidFill>
+          <a:schemeClr val="tx1">
+            <a:lumMod val="65000"/>
+            <a:lumOff val="35000"/>
+          </a:schemeClr>
+        </a:solidFill>
+        <a:round/>
+      </a:ln>
+    </cs:spPr>
+  </cs:downBar>
+  <cs:dropLine>
+    <cs:lnRef idx="0"/>
+    <cs:fillRef idx="0"/>
+    <cs:effectRef idx="0"/>
+    <cs:fontRef idx="minor">
+      <a:schemeClr val="tx1"/>
+    </cs:fontRef>
+    <cs:spPr>
+      <a:ln w="9525" cap="flat" cmpd="sng" algn="ctr">
+        <a:solidFill>
+          <a:schemeClr val="tx1">
+            <a:lumMod val="35000"/>
+            <a:lumOff val="65000"/>
+          </a:schemeClr>
+        </a:solidFill>
+        <a:round/>
+      </a:ln>
+    </cs:spPr>
+  </cs:dropLine>
+  <cs:errorBar>
+    <cs:lnRef idx="0"/>
+    <cs:fillRef idx="0"/>
+    <cs:effectRef idx="0"/>
+    <cs:fontRef idx="minor">
+      <a:schemeClr val="tx1"/>
+    </cs:fontRef>
+    <cs:spPr>
+      <a:ln w="9525" cap="flat" cmpd="sng" algn="ctr">
+        <a:solidFill>
+          <a:schemeClr val="tx1">
+            <a:lumMod val="65000"/>
+            <a:lumOff val="35000"/>
+          </a:schemeClr>
+        </a:solidFill>
+        <a:round/>
+      </a:ln>
+    </cs:spPr>
+  </cs:errorBar>
+  <cs:floor>
+    <cs:lnRef idx="0"/>
+    <cs:fillRef idx="0"/>
+    <cs:effectRef idx="0"/>
+    <cs:fontRef idx="minor">
+      <a:schemeClr val="tx1"/>
+    </cs:fontRef>
+    <cs:spPr>
+      <a:noFill/>
+      <a:ln>
+        <a:noFill/>
+      </a:ln>
+    </cs:spPr>
+  </cs:floor>
+  <cs:gridlineMajor>
+    <cs:lnRef idx="0"/>
+    <cs:fillRef idx="0"/>
+    <cs:effectRef idx="0"/>
+    <cs:fontRef idx="minor">
+      <a:schemeClr val="tx1"/>
+    </cs:fontRef>
+    <cs:spPr>
+      <a:ln w="9525" cap="flat" cmpd="sng" algn="ctr">
+        <a:solidFill>
+          <a:schemeClr val="tx1">
+            <a:lumMod val="15000"/>
+            <a:lumOff val="85000"/>
+          </a:schemeClr>
+        </a:solidFill>
+        <a:round/>
+      </a:ln>
+    </cs:spPr>
+  </cs:gridlineMajor>
+  <cs:gridlineMinor>
+    <cs:lnRef idx="0"/>
+    <cs:fillRef idx="0"/>
+    <cs:effectRef idx="0"/>
+    <cs:fontRef idx="minor">
+      <a:schemeClr val="tx1"/>
+    </cs:fontRef>
+    <cs:spPr>
+      <a:ln w="9525" cap="flat" cmpd="sng" algn="ctr">
+        <a:solidFill>
+          <a:schemeClr val="tx1">
+            <a:lumMod val="5000"/>
+            <a:lumOff val="95000"/>
+          </a:schemeClr>
+        </a:solidFill>
+        <a:round/>
+      </a:ln>
+    </cs:spPr>
+  </cs:gridlineMinor>
+  <cs:hiLoLine>
+    <cs:lnRef idx="0"/>
+    <cs:fillRef idx="0"/>
+    <cs:effectRef idx="0"/>
+    <cs:fontRef idx="minor">
+      <a:schemeClr val="tx1"/>
+    </cs:fontRef>
+    <cs:spPr>
+      <a:ln w="9525" cap="flat" cmpd="sng" algn="ctr">
+        <a:solidFill>
+          <a:schemeClr val="tx1">
+            <a:lumMod val="50000"/>
+            <a:lumOff val="50000"/>
+          </a:schemeClr>
+        </a:solidFill>
+        <a:round/>
+      </a:ln>
+    </cs:spPr>
+  </cs:hiLoLine>
+  <cs:leaderLine>
+    <cs:lnRef idx="0"/>
+    <cs:fillRef idx="0"/>
+    <cs:effectRef idx="0"/>
+    <cs:fontRef idx="minor">
+      <a:schemeClr val="tx1"/>
+    </cs:fontRef>
+    <cs:spPr>
+      <a:ln w="9525" cap="flat" cmpd="sng" algn="ctr">
+        <a:solidFill>
+          <a:schemeClr val="tx1">
+            <a:lumMod val="35000"/>
+            <a:lumOff val="65000"/>
+          </a:schemeClr>
+        </a:solidFill>
+        <a:round/>
+      </a:ln>
+    </cs:spPr>
+  </cs:leaderLine>
+  <cs:legend>
+    <cs:lnRef idx="0"/>
+    <cs:fillRef idx="0"/>
+    <cs:effectRef idx="0"/>
+    <cs:fontRef idx="minor">
+      <a:schemeClr val="tx1">
+        <a:lumMod val="65000"/>
+        <a:lumOff val="35000"/>
+      </a:schemeClr>
+    </cs:fontRef>
+    <cs:defRPr sz="1197" kern="1200"/>
+  </cs:legend>
+  <cs:plotArea mods="allowNoFillOverride allowNoLineOverride">
+    <cs:lnRef idx="0"/>
+    <cs:fillRef idx="0"/>
+    <cs:effectRef idx="0"/>
+    <cs:fontRef idx="minor">
+      <a:schemeClr val="tx1"/>
+    </cs:fontRef>
+  </cs:plotArea>
+  <cs:plotArea3D mods="allowNoFillOverride allowNoLineOverride">
+    <cs:lnRef idx="0"/>
+    <cs:fillRef idx="0"/>
+    <cs:effectRef idx="0"/>
+    <cs:fontRef idx="minor">
+      <a:schemeClr val="tx1"/>
+    </cs:fontRef>
+  </cs:plotArea3D>
+  <cs:seriesAxis>
+    <cs:lnRef idx="0"/>
+    <cs:fillRef idx="0"/>
+    <cs:effectRef idx="0"/>
+    <cs:fontRef idx="minor">
+      <a:schemeClr val="tx1">
+        <a:lumMod val="65000"/>
+        <a:lumOff val="35000"/>
+      </a:schemeClr>
+    </cs:fontRef>
+    <cs:defRPr sz="1197" kern="1200"/>
+  </cs:seriesAxis>
+  <cs:seriesLine>
+    <cs:lnRef idx="0"/>
+    <cs:fillRef idx="0"/>
+    <cs:effectRef idx="0"/>
+    <cs:fontRef idx="minor">
+      <a:schemeClr val="tx1"/>
+    </cs:fontRef>
+    <cs:spPr>
+      <a:ln w="9525" cap="flat" cmpd="sng" algn="ctr">
+        <a:solidFill>
+          <a:schemeClr val="tx1">
+            <a:lumMod val="35000"/>
+            <a:lumOff val="65000"/>
+          </a:schemeClr>
+        </a:solidFill>
+        <a:round/>
+      </a:ln>
+    </cs:spPr>
+  </cs:seriesLine>
+  <cs:title>
+    <cs:lnRef idx="0"/>
+    <cs:fillRef idx="0"/>
+    <cs:effectRef idx="0"/>
+    <cs:fontRef idx="minor">
+      <a:schemeClr val="tx1">
+        <a:lumMod val="65000"/>
+        <a:lumOff val="35000"/>
+      </a:schemeClr>
+    </cs:fontRef>
+    <cs:defRPr sz="1862" b="0" kern="1200" spc="0" baseline="0"/>
+  </cs:title>
+  <cs:trendline>
+    <cs:lnRef idx="0">
+      <cs:styleClr val="auto"/>
+    </cs:lnRef>
+    <cs:fillRef idx="0"/>
+    <cs:effectRef idx="0"/>
+    <cs:fontRef idx="minor">
+      <a:schemeClr val="tx1"/>
+    </cs:fontRef>
+    <cs:spPr>
+      <a:ln w="19050" cap="rnd">
+        <a:solidFill>
+          <a:schemeClr val="phClr"/>
+        </a:solidFill>
+        <a:prstDash val="sysDot"/>
+      </a:ln>
+    </cs:spPr>
+  </cs:trendline>
+  <cs:trendlineLabel>
+    <cs:lnRef idx="0"/>
+    <cs:fillRef idx="0"/>
+    <cs:effectRef idx="0"/>
+    <cs:fontRef idx="minor">
+      <a:schemeClr val="tx1">
+        <a:lumMod val="65000"/>
+        <a:lumOff val="35000"/>
+      </a:schemeClr>
+    </cs:fontRef>
+    <cs:defRPr sz="1197" kern="1200"/>
+  </cs:trendlineLabel>
+  <cs:upBar>
+    <cs:lnRef idx="0"/>
+    <cs:fillRef idx="0"/>
+    <cs:effectRef idx="0"/>
+    <cs:fontRef idx="minor">
+      <a:schemeClr val="tx1"/>
+    </cs:fontRef>
+    <cs:spPr>
+      <a:solidFill>
+        <a:schemeClr val="lt1"/>
+      </a:solidFill>
+      <a:ln w="9525" cap="flat" cmpd="sng" algn="ctr">
+        <a:solidFill>
+          <a:schemeClr val="tx1">
+            <a:lumMod val="65000"/>
+            <a:lumOff val="35000"/>
+          </a:schemeClr>
+        </a:solidFill>
+        <a:round/>
+      </a:ln>
+    </cs:spPr>
+  </cs:upBar>
+  <cs:valueAxis>
+    <cs:lnRef idx="0"/>
+    <cs:fillRef idx="0"/>
+    <cs:effectRef idx="0"/>
+    <cs:fontRef idx="minor">
+      <a:schemeClr val="tx1">
+        <a:lumMod val="65000"/>
+        <a:lumOff val="35000"/>
+      </a:schemeClr>
+    </cs:fontRef>
+    <cs:defRPr sz="1197" kern="1200"/>
+  </cs:valueAxis>
+  <cs:wall>
+    <cs:lnRef idx="0"/>
+    <cs:fillRef idx="0"/>
+    <cs:effectRef idx="0"/>
+    <cs:fontRef idx="minor">
+      <a:schemeClr val="tx1"/>
+    </cs:fontRef>
+    <cs:spPr>
+      <a:noFill/>
+      <a:ln>
+        <a:noFill/>
+      </a:ln>
+    </cs:spPr>
+  </cs:wall>
+</cs:chartStyle>
+</file>
+
+<file path=ppt/charts/style3.xml><?xml version="1.0" encoding="utf-8"?>
+<cs:chartStyle xmlns:cs="http://schemas.microsoft.com/office/drawing/2012/chartStyle" xmlns:a="http://schemas.openxmlformats.org/drawingml/2006/main" id="263">
+  <cs:axisTitle>
+    <cs:lnRef idx="0"/>
+    <cs:fillRef idx="0"/>
+    <cs:effectRef idx="0"/>
+    <cs:fontRef idx="minor">
+      <a:schemeClr val="tx1">
+        <a:lumMod val="50000"/>
+        <a:lumOff val="50000"/>
+      </a:schemeClr>
+    </cs:fontRef>
+    <cs:defRPr sz="1197" kern="1200"/>
+  </cs:axisTitle>
+  <cs:categoryAxis>
+    <cs:lnRef idx="0"/>
+    <cs:fillRef idx="0"/>
+    <cs:effectRef idx="0"/>
+    <cs:fontRef idx="minor">
+      <a:schemeClr val="tx1">
+        <a:lumMod val="65000"/>
+        <a:lumOff val="35000"/>
+      </a:schemeClr>
+    </cs:fontRef>
+    <cs:spPr>
+      <a:ln w="15875" cap="flat" cmpd="sng" algn="ctr">
+        <a:solidFill>
+          <a:schemeClr val="tx1">
+            <a:lumMod val="25000"/>
+            <a:lumOff val="75000"/>
+          </a:schemeClr>
+        </a:solidFill>
+        <a:round/>
+      </a:ln>
+    </cs:spPr>
+    <cs:defRPr sz="1197" kern="1200"/>
+  </cs:categoryAxis>
+  <cs:chartArea mods="allowNoFillOverride allowNoLineOverride">
+    <cs:lnRef idx="0"/>
+    <cs:fillRef idx="0"/>
+    <cs:effectRef idx="0"/>
+    <cs:fontRef idx="minor">
+      <a:schemeClr val="tx1"/>
+    </cs:fontRef>
+    <cs:spPr>
+      <a:solidFill>
+        <a:schemeClr val="bg1"/>
+      </a:solidFill>
+      <a:ln w="9525" cap="flat" cmpd="sng" algn="ctr">
+        <a:solidFill>
+          <a:schemeClr val="tx1">
+            <a:lumMod val="15000"/>
+            <a:lumOff val="85000"/>
+          </a:schemeClr>
+        </a:solidFill>
+        <a:round/>
+      </a:ln>
+    </cs:spPr>
+    <cs:defRPr sz="1330" kern="1200"/>
+  </cs:chartArea>
+  <cs:dataLabel>
+    <cs:lnRef idx="0">
+      <cs:styleClr val="auto"/>
+    </cs:lnRef>
+    <cs:fillRef idx="0"/>
+    <cs:effectRef idx="0">
+      <cs:styleClr val="auto"/>
+    </cs:effectRef>
+    <cs:fontRef idx="minor">
+      <cs:styleClr val="auto"/>
+    </cs:fontRef>
+    <cs:spPr>
+      <a:solidFill>
+        <a:schemeClr val="lt1">
+          <a:alpha val="90000"/>
+        </a:schemeClr>
+      </a:solidFill>
+      <a:ln w="12700" cap="flat" cmpd="sng" algn="ctr">
+        <a:solidFill>
+          <a:schemeClr val="phClr"/>
+        </a:solidFill>
+        <a:round/>
+      </a:ln>
+      <a:effectLst>
+        <a:outerShdw blurRad="50800" dist="38100" dir="2700000" algn="tl" rotWithShape="0">
+          <a:schemeClr val="phClr">
+            <a:lumMod val="75000"/>
+            <a:alpha val="40000"/>
+          </a:schemeClr>
+        </a:outerShdw>
+      </a:effectLst>
+    </cs:spPr>
+    <cs:defRPr sz="1330" b="0" i="0" u="none" strike="noStrike" kern="1200" baseline="0">
+      <a:effectLst/>
+    </cs:defRPr>
+    <cs:bodyPr rot="0" spcFirstLastPara="1" vertOverflow="clip" horzOverflow="clip" vert="horz" wrap="square" lIns="38100" tIns="19050" rIns="38100" bIns="19050" anchor="ctr" anchorCtr="1">
+      <a:spAutoFit/>
+    </cs:bodyPr>
+  </cs:dataLabel>
+  <cs:dataLabelCallout>
+    <cs:lnRef idx="0">
+      <cs:styleClr val="auto"/>
+    </cs:lnRef>
+    <cs:fillRef idx="0"/>
+    <cs:effectRef idx="0">
+      <cs:styleClr val="auto"/>
+    </cs:effectRef>
+    <cs:fontRef idx="minor">
+      <cs:styleClr val="auto"/>
+    </cs:fontRef>
+    <cs:spPr>
+      <a:solidFill>
+        <a:schemeClr val="lt1">
+          <a:alpha val="90000"/>
+        </a:schemeClr>
+      </a:solidFill>
+      <a:ln w="12700" cap="flat" cmpd="sng" algn="ctr">
+        <a:solidFill>
+          <a:schemeClr val="phClr"/>
+        </a:solidFill>
+        <a:round/>
+      </a:ln>
+      <a:effectLst>
+        <a:outerShdw blurRad="50800" dist="38100" dir="2700000" algn="tl" rotWithShape="0">
+          <a:schemeClr val="phClr">
+            <a:lumMod val="75000"/>
+            <a:alpha val="40000"/>
+          </a:schemeClr>
+        </a:outerShdw>
+      </a:effectLst>
+    </cs:spPr>
+    <cs:defRPr sz="1330" b="0" i="0" u="none" strike="noStrike" kern="1200" baseline="0">
+      <a:effectLst/>
+    </cs:defRPr>
+    <cs:bodyPr rot="0" spcFirstLastPara="1" vertOverflow="clip" horzOverflow="clip" vert="horz" wrap="square" lIns="36576" tIns="18288" rIns="36576" bIns="18288" anchor="ctr" anchorCtr="1">
+      <a:spAutoFit/>
+    </cs:bodyPr>
+  </cs:dataLabelCallout>
+  <cs:dataPoint>
+    <cs:lnRef idx="0"/>
+    <cs:fillRef idx="0">
+      <cs:styleClr val="auto"/>
+    </cs:fillRef>
+    <cs:effectRef idx="0"/>
+    <cs:fontRef idx="minor">
+      <a:schemeClr val="tx1"/>
+    </cs:fontRef>
+    <cs:spPr>
+      <a:solidFill>
+        <a:schemeClr val="phClr">
+          <a:alpha val="70000"/>
+        </a:schemeClr>
+      </a:solidFill>
+    </cs:spPr>
+  </cs:dataPoint>
+  <cs:dataPoint3D>
+    <cs:lnRef idx="0">
+      <cs:styleClr val="auto"/>
+    </cs:lnRef>
+    <cs:fillRef idx="0">
+      <cs:styleClr val="auto"/>
+    </cs:fillRef>
+    <cs:effectRef idx="0">
+      <cs:styleClr val="auto"/>
+    </cs:effectRef>
+    <cs:fontRef idx="minor">
+      <a:schemeClr val="tx1"/>
+    </cs:fontRef>
+    <cs:spPr>
+      <a:solidFill>
+        <a:schemeClr val="phClr">
+          <a:alpha val="90000"/>
+        </a:schemeClr>
+      </a:solidFill>
+      <a:ln w="19050">
+        <a:solidFill>
+          <a:schemeClr val="phClr">
+            <a:lumMod val="75000"/>
+          </a:schemeClr>
+        </a:solidFill>
+      </a:ln>
+      <a:effectLst>
+        <a:innerShdw blurRad="114300">
+          <a:schemeClr val="phClr">
+            <a:lumMod val="75000"/>
+          </a:schemeClr>
+        </a:innerShdw>
+      </a:effectLst>
+      <a:scene3d>
+        <a:camera prst="orthographicFront"/>
+        <a:lightRig rig="threePt" dir="t"/>
+      </a:scene3d>
+      <a:sp3d contourW="19050" prstMaterial="flat">
+        <a:contourClr>
+          <a:schemeClr val="accent4">
+            <a:lumMod val="75000"/>
+          </a:schemeClr>
+        </a:contourClr>
+      </a:sp3d>
+    </cs:spPr>
+  </cs:dataPoint3D>
+  <cs:dataPointLine>
+    <cs:lnRef idx="0">
+      <cs:styleClr val="auto"/>
+    </cs:lnRef>
+    <cs:fillRef idx="0"/>
+    <cs:effectRef idx="0"/>
+    <cs:fontRef idx="minor">
+      <a:schemeClr val="tx1"/>
+    </cs:fontRef>
+    <cs:spPr>
+      <a:ln w="28575" cap="rnd">
+        <a:solidFill>
+          <a:schemeClr val="phClr"/>
+        </a:solidFill>
+        <a:round/>
+      </a:ln>
+    </cs:spPr>
+  </cs:dataPointLine>
+  <cs:dataPointMarker>
+    <cs:lnRef idx="0"/>
+    <cs:fillRef idx="0">
+      <cs:styleClr val="auto"/>
+    </cs:fillRef>
+    <cs:effectRef idx="0"/>
+    <cs:fontRef idx="minor">
+      <a:schemeClr val="tx1"/>
+    </cs:fontRef>
+    <cs:spPr>
+      <a:solidFill>
+        <a:schemeClr val="phClr"/>
+      </a:solidFill>
+      <a:ln w="9525">
+        <a:solidFill>
+          <a:schemeClr val="lt1"/>
+        </a:solidFill>
+      </a:ln>
+    </cs:spPr>
+  </cs:dataPointMarker>
+  <cs:dataPointMarkerLayout symbol="circle" size="6"/>
+  <cs:dataPointWireframe>
+    <cs:lnRef idx="0">
+      <cs:styleClr val="auto"/>
+    </cs:lnRef>
+    <cs:fillRef idx="0"/>
+    <cs:effectRef idx="0"/>
+    <cs:fontRef idx="minor">
+      <a:schemeClr val="tx1"/>
+    </cs:fontRef>
+    <cs:spPr>
+      <a:ln w="9525" cap="rnd">
+        <a:solidFill>
+          <a:schemeClr val="phClr"/>
+        </a:solidFill>
+        <a:round/>
+      </a:ln>
+    </cs:spPr>
+  </cs:dataPointWireframe>
+  <cs:dataTable>
+    <cs:lnRef idx="0"/>
+    <cs:fillRef idx="0"/>
+    <cs:effectRef idx="0"/>
+    <cs:fontRef idx="minor">
+      <a:schemeClr val="tx1">
+        <a:lumMod val="65000"/>
+        <a:lumOff val="35000"/>
+      </a:schemeClr>
+    </cs:fontRef>
+    <cs:spPr>
+      <a:ln w="9525">
+        <a:solidFill>
+          <a:schemeClr val="tx1">
+            <a:lumMod val="15000"/>
+            <a:lumOff val="85000"/>
+          </a:schemeClr>
+        </a:solidFill>
+      </a:ln>
+    </cs:spPr>
+    <cs:defRPr sz="1197" kern="1200"/>
+  </cs:dataTable>
+  <cs:downBar>
+    <cs:lnRef idx="0"/>
+    <cs:fillRef idx="0"/>
+    <cs:effectRef idx="0"/>
+    <cs:fontRef idx="minor">
+      <a:schemeClr val="dk1"/>
+    </cs:fontRef>
+    <cs:spPr>
+      <a:solidFill>
+        <a:schemeClr val="dk1">
+          <a:lumMod val="75000"/>
+          <a:lumOff val="25000"/>
+        </a:schemeClr>
+      </a:solidFill>
+      <a:ln w="9525">
+        <a:solidFill>
+          <a:schemeClr val="tx1">
+            <a:lumMod val="65000"/>
+            <a:lumOff val="35000"/>
+          </a:schemeClr>
+        </a:solidFill>
+      </a:ln>
+    </cs:spPr>
+  </cs:downBar>
+  <cs:dropLine>
+    <cs:lnRef idx="0"/>
+    <cs:fillRef idx="0"/>
+    <cs:effectRef idx="0"/>
+    <cs:fontRef idx="minor">
+      <a:schemeClr val="dk1"/>
+    </cs:fontRef>
+    <cs:spPr>
+      <a:ln w="9525">
+        <a:solidFill>
+          <a:schemeClr val="tx1">
+            <a:lumMod val="35000"/>
+            <a:lumOff val="65000"/>
+          </a:schemeClr>
+        </a:solidFill>
+        <a:round/>
+      </a:ln>
+    </cs:spPr>
+  </cs:dropLine>
+  <cs:errorBar>
+    <cs:lnRef idx="0"/>
+    <cs:fillRef idx="0"/>
+    <cs:effectRef idx="0"/>
+    <cs:fontRef idx="minor">
+      <a:schemeClr val="dk1"/>
+    </cs:fontRef>
+    <cs:spPr>
+      <a:ln w="9525">
+        <a:solidFill>
+          <a:schemeClr val="tx1">
+            <a:lumMod val="65000"/>
+            <a:lumOff val="35000"/>
+          </a:schemeClr>
+        </a:solidFill>
+        <a:round/>
+      </a:ln>
+    </cs:spPr>
+  </cs:errorBar>
+  <cs:floor>
+    <cs:lnRef idx="0"/>
+    <cs:fillRef idx="0"/>
+    <cs:effectRef idx="0"/>
+    <cs:fontRef idx="minor">
+      <a:schemeClr val="dk1"/>
+    </cs:fontRef>
+  </cs:floor>
+  <cs:gridlineMajor>
+    <cs:lnRef idx="0"/>
+    <cs:fillRef idx="0"/>
+    <cs:effectRef idx="0"/>
+    <cs:fontRef idx="minor">
+      <a:schemeClr val="dk1"/>
+    </cs:fontRef>
+    <cs:spPr>
+      <a:ln w="9525" cap="flat" cmpd="sng" algn="ctr">
+        <a:solidFill>
+          <a:schemeClr val="tx1">
+            <a:lumMod val="5000"/>
+            <a:lumOff val="95000"/>
+          </a:schemeClr>
+        </a:solidFill>
+        <a:round/>
+      </a:ln>
+    </cs:spPr>
+  </cs:gridlineMajor>
+  <cs:gridlineMinor>
+    <cs:lnRef idx="0"/>
+    <cs:fillRef idx="0"/>
+    <cs:effectRef idx="0"/>
+    <cs:fontRef idx="minor">
+      <a:schemeClr val="dk1"/>
+    </cs:fontRef>
+    <cs:spPr>
+      <a:ln>
+        <a:solidFill>
+          <a:schemeClr val="tx1">
+            <a:lumMod val="5000"/>
+            <a:lumOff val="95000"/>
+          </a:schemeClr>
+        </a:solidFill>
+      </a:ln>
+    </cs:spPr>
+  </cs:gridlineMinor>
+  <cs:hiLoLine>
+    <cs:lnRef idx="0"/>
+    <cs:fillRef idx="0"/>
+    <cs:effectRef idx="0"/>
+    <cs:fontRef idx="minor">
+      <a:schemeClr val="dk1"/>
+    </cs:fontRef>
+    <cs:spPr>
+      <a:ln w="9525">
+        <a:solidFill>
+          <a:schemeClr val="tx1">
+            <a:lumMod val="35000"/>
+            <a:lumOff val="65000"/>
+          </a:schemeClr>
+        </a:solidFill>
+        <a:round/>
+      </a:ln>
+    </cs:spPr>
+  </cs:hiLoLine>
+  <cs:leaderLine>
+    <cs:lnRef idx="0"/>
+    <cs:fillRef idx="0"/>
+    <cs:effectRef idx="0"/>
+    <cs:fontRef idx="minor">
+      <a:schemeClr val="dk1"/>
+    </cs:fontRef>
+    <cs:spPr>
+      <a:ln w="9525">
+        <a:solidFill>
+          <a:schemeClr val="tx1">
+            <a:lumMod val="35000"/>
+            <a:lumOff val="65000"/>
+          </a:schemeClr>
+        </a:solidFill>
+      </a:ln>
+    </cs:spPr>
+  </cs:leaderLine>
+  <cs:legend>
+    <cs:lnRef idx="0"/>
+    <cs:fillRef idx="0"/>
+    <cs:effectRef idx="0"/>
+    <cs:fontRef idx="minor">
+      <a:schemeClr val="tx1">
+        <a:lumMod val="50000"/>
+        <a:lumOff val="50000"/>
+      </a:schemeClr>
+    </cs:fontRef>
+    <cs:defRPr sz="1197" kern="1200"/>
+  </cs:legend>
+  <cs:plotArea mods="allowNoFillOverride allowNoLineOverride">
+    <cs:lnRef idx="0"/>
+    <cs:fillRef idx="0"/>
+    <cs:effectRef idx="0"/>
+    <cs:fontRef idx="minor">
+      <a:schemeClr val="tx1"/>
+    </cs:fontRef>
+  </cs:plotArea>
+  <cs:plotArea3D mods="allowNoFillOverride allowNoLineOverride">
+    <cs:lnRef idx="0"/>
+    <cs:fillRef idx="0"/>
+    <cs:effectRef idx="0"/>
+    <cs:fontRef idx="minor">
+      <a:schemeClr val="tx1"/>
+    </cs:fontRef>
+  </cs:plotArea3D>
+  <cs:seriesAxis>
+    <cs:lnRef idx="0"/>
+    <cs:fillRef idx="0"/>
+    <cs:effectRef idx="0"/>
+    <cs:fontRef idx="minor">
+      <a:schemeClr val="tx1">
+        <a:lumMod val="65000"/>
+        <a:lumOff val="35000"/>
+      </a:schemeClr>
+    </cs:fontRef>
+    <cs:defRPr sz="1197" kern="1200"/>
+  </cs:seriesAxis>
+  <cs:seriesLine>
+    <cs:lnRef idx="0"/>
+    <cs:fillRef idx="0"/>
+    <cs:effectRef idx="0"/>
+    <cs:fontRef idx="minor">
+      <a:schemeClr val="dk1"/>
+    </cs:fontRef>
+    <cs:spPr>
+      <a:ln w="9525">
+        <a:solidFill>
+          <a:schemeClr val="tx1">
+            <a:lumMod val="35000"/>
+            <a:lumOff val="65000"/>
+          </a:schemeClr>
+        </a:solidFill>
+        <a:round/>
+      </a:ln>
+    </cs:spPr>
+  </cs:seriesLine>
+  <cs:title>
+    <cs:lnRef idx="0"/>
+    <cs:fillRef idx="0"/>
+    <cs:effectRef idx="0"/>
+    <cs:fontRef idx="minor">
+      <a:schemeClr val="tx1">
+        <a:lumMod val="65000"/>
+        <a:lumOff val="35000"/>
+      </a:schemeClr>
+    </cs:fontRef>
+    <cs:defRPr sz="2200" b="1" kern="1200" cap="all" baseline="0"/>
+  </cs:title>
+  <cs:trendline>
+    <cs:lnRef idx="0">
+      <cs:styleClr val="auto"/>
+    </cs:lnRef>
+    <cs:fillRef idx="0"/>
+    <cs:effectRef idx="0"/>
+    <cs:fontRef idx="minor">
+      <a:schemeClr val="dk1"/>
+    </cs:fontRef>
+    <cs:spPr>
+      <a:ln w="15875" cap="rnd">
+        <a:solidFill>
+          <a:schemeClr val="phClr"/>
+        </a:solidFill>
+      </a:ln>
+    </cs:spPr>
+  </cs:trendline>
+  <cs:trendlineLabel>
+    <cs:lnRef idx="0"/>
+    <cs:fillRef idx="0"/>
+    <cs:effectRef idx="0"/>
+    <cs:fontRef idx="minor">
+      <a:schemeClr val="tx1">
+        <a:lumMod val="65000"/>
+        <a:lumOff val="35000"/>
+      </a:schemeClr>
+    </cs:fontRef>
+    <cs:defRPr sz="1197" kern="1200"/>
+  </cs:trendlineLabel>
+  <cs:upBar>
+    <cs:lnRef idx="0"/>
+    <cs:fillRef idx="0"/>
+    <cs:effectRef idx="0"/>
+    <cs:fontRef idx="minor">
+      <a:schemeClr val="dk1"/>
+    </cs:fontRef>
+    <cs:spPr>
+      <a:solidFill>
+        <a:schemeClr val="lt1"/>
+      </a:solidFill>
+      <a:ln w="9525">
+        <a:solidFill>
+          <a:schemeClr val="tx1">
+            <a:lumMod val="65000"/>
+            <a:lumOff val="35000"/>
+          </a:schemeClr>
+        </a:solidFill>
+      </a:ln>
+    </cs:spPr>
+  </cs:upBar>
+  <cs:valueAxis>
+    <cs:lnRef idx="0"/>
+    <cs:fillRef idx="0"/>
+    <cs:effectRef idx="0"/>
+    <cs:fontRef idx="minor">
+      <a:schemeClr val="tx1">
+        <a:lumMod val="65000"/>
+        <a:lumOff val="35000"/>
+      </a:schemeClr>
+    </cs:fontRef>
+    <cs:defRPr sz="1197" kern="1200" spc="20" baseline="0"/>
+  </cs:valueAxis>
+  <cs:wall>
+    <cs:lnRef idx="0"/>
+    <cs:fillRef idx="0"/>
+    <cs:effectRef idx="0"/>
+    <cs:fontRef idx="minor">
+      <a:schemeClr val="dk1"/>
+    </cs:fontRef>
+  </cs:wall>
+</cs:chartStyle>
+</file>
+
 <file path=ppt/comments/comment1.xml><?xml version="1.0" encoding="utf-8"?>
 <p:cmLst xmlns:a="http://schemas.openxmlformats.org/drawingml/2006/main" xmlns:r="http://schemas.openxmlformats.org/officeDocument/2006/relationships" xmlns:p="http://schemas.openxmlformats.org/presentationml/2006/main">
   <p:cm authorId="1" dt="2019-05-20T15:52:08.016" idx="1">
@@ -1224,7 +3091,7 @@
           <a:p>
             <a:fld id="{C3397935-2F3F-463F-AF08-0875629A89E2}" type="datetimeFigureOut">
               <a:rPr lang="en-US" smtClean="0"/>
-              <a:t>5/21/2019</a:t>
+              <a:t>5/24/2019</a:t>
             </a:fld>
             <a:endParaRPr lang="en-US"/>
           </a:p>
@@ -2297,7 +4164,7 @@
           <a:p>
             <a:fld id="{6C2C316B-41D4-40BF-81E2-5D7AC1F6020A}" type="datetimeFigureOut">
               <a:rPr lang="en-US" smtClean="0"/>
-              <a:t>5/21/2019</a:t>
+              <a:t>5/24/2019</a:t>
             </a:fld>
             <a:endParaRPr lang="en-US"/>
           </a:p>
@@ -2548,7 +4415,7 @@
           <a:p>
             <a:fld id="{6C2C316B-41D4-40BF-81E2-5D7AC1F6020A}" type="datetimeFigureOut">
               <a:rPr lang="en-US" smtClean="0"/>
-              <a:t>5/21/2019</a:t>
+              <a:t>5/24/2019</a:t>
             </a:fld>
             <a:endParaRPr lang="en-US"/>
           </a:p>
@@ -2862,7 +4729,7 @@
           <a:p>
             <a:fld id="{6C2C316B-41D4-40BF-81E2-5D7AC1F6020A}" type="datetimeFigureOut">
               <a:rPr lang="en-US" smtClean="0"/>
-              <a:t>5/21/2019</a:t>
+              <a:t>5/24/2019</a:t>
             </a:fld>
             <a:endParaRPr lang="en-US"/>
           </a:p>
@@ -3203,7 +5070,7 @@
           <a:p>
             <a:fld id="{6C2C316B-41D4-40BF-81E2-5D7AC1F6020A}" type="datetimeFigureOut">
               <a:rPr lang="en-US" smtClean="0"/>
-              <a:t>5/21/2019</a:t>
+              <a:t>5/24/2019</a:t>
             </a:fld>
             <a:endParaRPr lang="en-US"/>
           </a:p>
@@ -3517,7 +5384,7 @@
           <a:p>
             <a:fld id="{6C2C316B-41D4-40BF-81E2-5D7AC1F6020A}" type="datetimeFigureOut">
               <a:rPr lang="en-US" smtClean="0"/>
-              <a:t>5/21/2019</a:t>
+              <a:t>5/24/2019</a:t>
             </a:fld>
             <a:endParaRPr lang="en-US"/>
           </a:p>
@@ -3910,7 +5777,7 @@
           <a:p>
             <a:fld id="{6C2C316B-41D4-40BF-81E2-5D7AC1F6020A}" type="datetimeFigureOut">
               <a:rPr lang="en-US" smtClean="0"/>
-              <a:t>5/21/2019</a:t>
+              <a:t>5/24/2019</a:t>
             </a:fld>
             <a:endParaRPr lang="en-US"/>
           </a:p>
@@ -4080,7 +5947,7 @@
           <a:p>
             <a:fld id="{6C2C316B-41D4-40BF-81E2-5D7AC1F6020A}" type="datetimeFigureOut">
               <a:rPr lang="en-US" smtClean="0"/>
-              <a:t>5/21/2019</a:t>
+              <a:t>5/24/2019</a:t>
             </a:fld>
             <a:endParaRPr lang="en-US"/>
           </a:p>
@@ -4260,7 +6127,7 @@
           <a:p>
             <a:fld id="{6C2C316B-41D4-40BF-81E2-5D7AC1F6020A}" type="datetimeFigureOut">
               <a:rPr lang="en-US" smtClean="0"/>
-              <a:t>5/21/2019</a:t>
+              <a:t>5/24/2019</a:t>
             </a:fld>
             <a:endParaRPr lang="en-US"/>
           </a:p>
@@ -4436,7 +6303,7 @@
           <a:p>
             <a:fld id="{6C2C316B-41D4-40BF-81E2-5D7AC1F6020A}" type="datetimeFigureOut">
               <a:rPr lang="en-US" smtClean="0"/>
-              <a:t>5/21/2019</a:t>
+              <a:t>5/24/2019</a:t>
             </a:fld>
             <a:endParaRPr lang="en-US"/>
           </a:p>
@@ -4683,7 +6550,7 @@
           <a:p>
             <a:fld id="{6C2C316B-41D4-40BF-81E2-5D7AC1F6020A}" type="datetimeFigureOut">
               <a:rPr lang="en-US" smtClean="0"/>
-              <a:t>5/21/2019</a:t>
+              <a:t>5/24/2019</a:t>
             </a:fld>
             <a:endParaRPr lang="en-US"/>
           </a:p>
@@ -4915,7 +6782,7 @@
           <a:p>
             <a:fld id="{6C2C316B-41D4-40BF-81E2-5D7AC1F6020A}" type="datetimeFigureOut">
               <a:rPr lang="en-US" smtClean="0"/>
-              <a:t>5/21/2019</a:t>
+              <a:t>5/24/2019</a:t>
             </a:fld>
             <a:endParaRPr lang="en-US"/>
           </a:p>
@@ -5289,7 +7156,7 @@
           <a:p>
             <a:fld id="{6C2C316B-41D4-40BF-81E2-5D7AC1F6020A}" type="datetimeFigureOut">
               <a:rPr lang="en-US" smtClean="0"/>
-              <a:t>5/21/2019</a:t>
+              <a:t>5/24/2019</a:t>
             </a:fld>
             <a:endParaRPr lang="en-US"/>
           </a:p>
@@ -5412,7 +7279,7 @@
           <a:p>
             <a:fld id="{6C2C316B-41D4-40BF-81E2-5D7AC1F6020A}" type="datetimeFigureOut">
               <a:rPr lang="en-US" smtClean="0"/>
-              <a:t>5/21/2019</a:t>
+              <a:t>5/24/2019</a:t>
             </a:fld>
             <a:endParaRPr lang="en-US"/>
           </a:p>
@@ -5507,7 +7374,7 @@
           <a:p>
             <a:fld id="{6C2C316B-41D4-40BF-81E2-5D7AC1F6020A}" type="datetimeFigureOut">
               <a:rPr lang="en-US" smtClean="0"/>
-              <a:t>5/21/2019</a:t>
+              <a:t>5/24/2019</a:t>
             </a:fld>
             <a:endParaRPr lang="en-US"/>
           </a:p>
@@ -5762,7 +7629,7 @@
           <a:p>
             <a:fld id="{6C2C316B-41D4-40BF-81E2-5D7AC1F6020A}" type="datetimeFigureOut">
               <a:rPr lang="en-US" smtClean="0"/>
-              <a:t>5/21/2019</a:t>
+              <a:t>5/24/2019</a:t>
             </a:fld>
             <a:endParaRPr lang="en-US"/>
           </a:p>
@@ -6025,7 +7892,7 @@
           <a:p>
             <a:fld id="{6C2C316B-41D4-40BF-81E2-5D7AC1F6020A}" type="datetimeFigureOut">
               <a:rPr lang="en-US" smtClean="0"/>
-              <a:t>5/21/2019</a:t>
+              <a:t>5/24/2019</a:t>
             </a:fld>
             <a:endParaRPr lang="en-US"/>
           </a:p>
@@ -6768,7 +8635,7 @@
           <a:p>
             <a:fld id="{6C2C316B-41D4-40BF-81E2-5D7AC1F6020A}" type="datetimeFigureOut">
               <a:rPr lang="en-US" smtClean="0"/>
-              <a:t>5/21/2019</a:t>
+              <a:t>5/24/2019</a:t>
             </a:fld>
             <a:endParaRPr lang="en-US"/>
           </a:p>
@@ -8184,118 +10051,78 @@
           </a:p>
         </p:txBody>
       </p:sp>
-      <p:pic>
-        <p:nvPicPr>
-          <p:cNvPr id="3" name="Picture 2">
+      <p:graphicFrame>
+        <p:nvGraphicFramePr>
+          <p:cNvPr id="7" name="Chart 6">
             <a:extLst>
               <a:ext uri="{FF2B5EF4-FFF2-40B4-BE49-F238E27FC236}">
-                <a16:creationId xmlns:a16="http://schemas.microsoft.com/office/drawing/2014/main" id="{32255FAE-9D83-4F46-BCC0-F102B016B8BB}"/>
+                <a16:creationId xmlns:a16="http://schemas.microsoft.com/office/drawing/2014/main" id="{D230A340-05CF-447D-BE42-4BC865BB9455}"/>
               </a:ext>
             </a:extLst>
           </p:cNvPr>
-          <p:cNvPicPr>
-            <a:picLocks noChangeAspect="1"/>
-          </p:cNvPicPr>
+          <p:cNvGraphicFramePr/>
+          <p:nvPr>
+            <p:extLst>
+              <p:ext uri="{D42A27DB-BD31-4B8C-83A1-F6EECF244321}">
+                <p14:modId xmlns:p14="http://schemas.microsoft.com/office/powerpoint/2010/main" val="681726156"/>
+              </p:ext>
+            </p:extLst>
+          </p:nvPr>
+        </p:nvGraphicFramePr>
+        <p:xfrm>
+          <a:off x="1174935" y="1533832"/>
+          <a:ext cx="7848376" cy="3018329"/>
+        </p:xfrm>
+        <a:graphic>
+          <a:graphicData uri="http://schemas.openxmlformats.org/drawingml/2006/chart">
+            <c:chart xmlns:c="http://schemas.openxmlformats.org/drawingml/2006/chart" xmlns:r="http://schemas.openxmlformats.org/officeDocument/2006/relationships" r:id="rId2"/>
+          </a:graphicData>
+        </a:graphic>
+      </p:graphicFrame>
+      <p:sp>
+        <p:nvSpPr>
+          <p:cNvPr id="8" name="TextBox 7">
+            <a:extLst>
+              <a:ext uri="{FF2B5EF4-FFF2-40B4-BE49-F238E27FC236}">
+                <a16:creationId xmlns:a16="http://schemas.microsoft.com/office/drawing/2014/main" id="{170E185E-A15D-44EC-81B0-9CC8C921F1A4}"/>
+              </a:ext>
+            </a:extLst>
+          </p:cNvPr>
+          <p:cNvSpPr txBox="1"/>
           <p:nvPr/>
-        </p:nvPicPr>
-        <p:blipFill>
-          <a:blip r:embed="rId2"/>
-          <a:stretch>
-            <a:fillRect/>
-          </a:stretch>
-        </p:blipFill>
+        </p:nvSpPr>
         <p:spPr>
           <a:xfrm>
-            <a:off x="398584" y="1533832"/>
-            <a:ext cx="9037202" cy="4714568"/>
+            <a:off x="924243" y="4549676"/>
+            <a:ext cx="9735941" cy="1754326"/>
           </a:xfrm>
           <a:prstGeom prst="rect">
             <a:avLst/>
           </a:prstGeom>
+          <a:noFill/>
         </p:spPr>
-      </p:pic>
-      <p:cxnSp>
-        <p:nvCxnSpPr>
-          <p:cNvPr id="22" name="Straight Arrow Connector 21">
-            <a:extLst>
-              <a:ext uri="{FF2B5EF4-FFF2-40B4-BE49-F238E27FC236}">
-                <a16:creationId xmlns:a16="http://schemas.microsoft.com/office/drawing/2014/main" id="{B514B67D-6637-4D52-8A75-0E31264F1047}"/>
-              </a:ext>
-            </a:extLst>
-          </p:cNvPr>
-          <p:cNvCxnSpPr/>
-          <p:nvPr/>
-        </p:nvCxnSpPr>
-        <p:spPr>
-          <a:xfrm>
-            <a:off x="3008924" y="1930399"/>
-            <a:ext cx="1297354" cy="0"/>
-          </a:xfrm>
-          <a:prstGeom prst="straightConnector1">
-            <a:avLst/>
-          </a:prstGeom>
-          <a:ln>
-            <a:headEnd type="triangle"/>
-            <a:tailEnd type="triangle"/>
-          </a:ln>
-        </p:spPr>
-        <p:style>
-          <a:lnRef idx="3">
-            <a:schemeClr val="accent5"/>
-          </a:lnRef>
-          <a:fillRef idx="0">
-            <a:schemeClr val="accent5"/>
-          </a:fillRef>
-          <a:effectRef idx="2">
-            <a:schemeClr val="accent5"/>
-          </a:effectRef>
-          <a:fontRef idx="minor">
-            <a:schemeClr val="tx1"/>
-          </a:fontRef>
-        </p:style>
-      </p:cxnSp>
-      <p:cxnSp>
-        <p:nvCxnSpPr>
-          <p:cNvPr id="6" name="Straight Arrow Connector 5">
-            <a:extLst>
-              <a:ext uri="{FF2B5EF4-FFF2-40B4-BE49-F238E27FC236}">
-                <a16:creationId xmlns:a16="http://schemas.microsoft.com/office/drawing/2014/main" id="{BCA58C43-37C3-476B-BFBB-07ED56262E8A}"/>
-              </a:ext>
-            </a:extLst>
-          </p:cNvPr>
-          <p:cNvCxnSpPr>
-            <a:cxnSpLocks/>
-          </p:cNvCxnSpPr>
-          <p:nvPr/>
-        </p:nvCxnSpPr>
-        <p:spPr>
-          <a:xfrm>
-            <a:off x="4386916" y="1910860"/>
-            <a:ext cx="530269" cy="0"/>
-          </a:xfrm>
-          <a:prstGeom prst="straightConnector1">
-            <a:avLst/>
-          </a:prstGeom>
-          <a:ln>
-            <a:headEnd type="triangle"/>
-            <a:tailEnd type="triangle"/>
-          </a:ln>
-        </p:spPr>
-        <p:style>
-          <a:lnRef idx="3">
-            <a:schemeClr val="accent5"/>
-          </a:lnRef>
-          <a:fillRef idx="0">
-            <a:schemeClr val="accent5"/>
-          </a:fillRef>
-          <a:effectRef idx="2">
-            <a:schemeClr val="accent5"/>
-          </a:effectRef>
-          <a:fontRef idx="minor">
-            <a:schemeClr val="tx1"/>
-          </a:fontRef>
-        </p:style>
-      </p:cxnSp>
+        <p:txBody>
+          <a:bodyPr wrap="square" rtlCol="0">
+            <a:spAutoFit/>
+          </a:bodyPr>
+          <a:lstStyle/>
+          <a:p>
+            <a:pPr marL="342900" indent="-342900">
+              <a:buAutoNum type="arabicPeriod"/>
+            </a:pPr>
+            <a:r>
+              <a:rPr lang="en-US" dirty="0"/>
+              <a:t>Speedy Express shipping company offers the lowest shipping rate. In order to reduce expense ratio per item shipped to our customers, strengthening partnership with Speedy Express company is needed.</a:t>
+            </a:r>
+          </a:p>
+          <a:p>
+            <a:r>
+              <a:rPr lang="en-US" dirty="0"/>
+              <a:t>2.  Further regional shipping information would be useful to further analyze if shipping companies offer different shipping rate in different regions and know how to optimize the companies shipping strategy to lower the expense. </a:t>
+            </a:r>
+          </a:p>
+        </p:txBody>
+      </p:sp>
     </p:spTree>
     <p:extLst>
       <p:ext uri="{BB962C8B-B14F-4D97-AF65-F5344CB8AC3E}">
@@ -8462,36 +10289,34 @@
           </a:p>
         </p:txBody>
       </p:sp>
-      <p:pic>
-        <p:nvPicPr>
-          <p:cNvPr id="8" name="Picture 7">
+      <p:graphicFrame>
+        <p:nvGraphicFramePr>
+          <p:cNvPr id="6" name="Chart 5">
             <a:extLst>
               <a:ext uri="{FF2B5EF4-FFF2-40B4-BE49-F238E27FC236}">
-                <a16:creationId xmlns:a16="http://schemas.microsoft.com/office/drawing/2014/main" id="{05C3E679-B040-44E4-9502-85F514BE9BF3}"/>
+                <a16:creationId xmlns:a16="http://schemas.microsoft.com/office/drawing/2014/main" id="{D9EFEB76-116A-40A9-88EE-96AE83F2A888}"/>
               </a:ext>
             </a:extLst>
           </p:cNvPr>
-          <p:cNvPicPr>
-            <a:picLocks noChangeAspect="1"/>
-          </p:cNvPicPr>
-          <p:nvPr/>
-        </p:nvPicPr>
-        <p:blipFill>
-          <a:blip r:embed="rId3"/>
-          <a:stretch>
-            <a:fillRect/>
-          </a:stretch>
-        </p:blipFill>
-        <p:spPr>
-          <a:xfrm>
-            <a:off x="1888719" y="3234780"/>
-            <a:ext cx="5645312" cy="3005805"/>
-          </a:xfrm>
-          <a:prstGeom prst="rect">
-            <a:avLst/>
-          </a:prstGeom>
-        </p:spPr>
-      </p:pic>
+          <p:cNvGraphicFramePr/>
+          <p:nvPr>
+            <p:extLst>
+              <p:ext uri="{D42A27DB-BD31-4B8C-83A1-F6EECF244321}">
+                <p14:modId xmlns:p14="http://schemas.microsoft.com/office/powerpoint/2010/main" val="2010622759"/>
+              </p:ext>
+            </p:extLst>
+          </p:nvPr>
+        </p:nvGraphicFramePr>
+        <p:xfrm>
+          <a:off x="1320800" y="3165231"/>
+          <a:ext cx="7721600" cy="2860431"/>
+        </p:xfrm>
+        <a:graphic>
+          <a:graphicData uri="http://schemas.openxmlformats.org/drawingml/2006/chart">
+            <c:chart xmlns:c="http://schemas.openxmlformats.org/drawingml/2006/chart" xmlns:r="http://schemas.openxmlformats.org/officeDocument/2006/relationships" r:id="rId3"/>
+          </a:graphicData>
+        </a:graphic>
+      </p:graphicFrame>
     </p:spTree>
     <p:extLst>
       <p:ext uri="{BB962C8B-B14F-4D97-AF65-F5344CB8AC3E}">

--- a/Module 2 Final Project.pptx
+++ b/Module 2 Final Project.pptx
@@ -123,7 +123,7 @@
 
 <file path=ppt/commentAuthors.xml><?xml version="1.0" encoding="utf-8"?>
 <p:cmAuthorLst xmlns:a="http://schemas.openxmlformats.org/drawingml/2006/main" xmlns:r="http://schemas.openxmlformats.org/officeDocument/2006/relationships" xmlns:p="http://schemas.openxmlformats.org/presentationml/2006/main">
-  <p:cmAuthor id="1" name="중석 진" initials="중진" lastIdx="1" clrIdx="0">
+  <p:cmAuthor id="1" name="중석 진" initials="중진" lastIdx="2" clrIdx="0">
     <p:extLst>
       <p:ext uri="{19B8F6BF-5375-455C-9EA6-DF929625EA0E}">
         <p15:presenceInfo xmlns:p15="http://schemas.microsoft.com/office/powerpoint/2012/main" userId="af419035b9c4029a" providerId="Windows Live"/>
@@ -1176,6 +1176,27 @@
                 </c:ext>
               </c:extLst>
             </c:dLbl>
+            <c:spPr>
+              <a:solidFill>
+                <a:prstClr val="white">
+                  <a:alpha val="90000"/>
+                </a:prstClr>
+              </a:solidFill>
+              <a:ln w="12700" cap="flat" cmpd="sng" algn="ctr">
+                <a:solidFill>
+                  <a:srgbClr val="90C226"/>
+                </a:solidFill>
+                <a:round/>
+              </a:ln>
+              <a:effectLst>
+                <a:outerShdw blurRad="50800" dist="38100" dir="2700000" algn="tl" rotWithShape="0">
+                  <a:srgbClr val="90C226">
+                    <a:lumMod val="75000"/>
+                    <a:alpha val="40000"/>
+                  </a:srgbClr>
+                </a:outerShdw>
+              </a:effectLst>
+            </c:spPr>
             <c:dLblPos val="inEnd"/>
             <c:showLegendKey val="0"/>
             <c:showVal val="1"/>
@@ -1219,13 +1240,13 @@
             <c:numRef>
               <c:f>Sheet1!$B$2:$B$3</c:f>
               <c:numCache>
-                <c:formatCode>General</c:formatCode>
+                <c:formatCode>0%</c:formatCode>
                 <c:ptCount val="2"/>
                 <c:pt idx="0">
-                  <c:v>98</c:v>
+                  <c:v>0.98</c:v>
                 </c:pt>
                 <c:pt idx="1">
-                  <c:v>2</c:v>
+                  <c:v>0.02</c:v>
                 </c:pt>
               </c:numCache>
             </c:numRef>
@@ -2997,6 +3018,20 @@
 
 <file path=ppt/comments/comment1.xml><?xml version="1.0" encoding="utf-8"?>
 <p:cmLst xmlns:a="http://schemas.openxmlformats.org/drawingml/2006/main" xmlns:r="http://schemas.openxmlformats.org/officeDocument/2006/relationships" xmlns:p="http://schemas.openxmlformats.org/presentationml/2006/main">
+  <p:cm authorId="1" dt="2019-05-24T20:03:46.553" idx="2">
+    <p:pos x="-24" y="25"/>
+    <p:text/>
+    <p:extLst>
+      <p:ext uri="{C676402C-5697-4E1C-873F-D02D1690AC5C}">
+        <p15:threadingInfo xmlns:p15="http://schemas.microsoft.com/office/powerpoint/2012/main" timeZoneBias="240"/>
+      </p:ext>
+    </p:extLst>
+  </p:cm>
+</p:cmLst>
+</file>
+
+<file path=ppt/comments/comment2.xml><?xml version="1.0" encoding="utf-8"?>
+<p:cmLst xmlns:a="http://schemas.openxmlformats.org/drawingml/2006/main" xmlns:r="http://schemas.openxmlformats.org/officeDocument/2006/relationships" xmlns:p="http://schemas.openxmlformats.org/presentationml/2006/main">
   <p:cm authorId="1" dt="2019-05-20T15:52:08.016" idx="1">
     <p:pos x="10" y="10"/>
     <p:text/>
@@ -9560,219 +9595,64 @@
           </a:p>
         </p:txBody>
       </p:sp>
-      <p:pic>
-        <p:nvPicPr>
-          <p:cNvPr id="6" name="Content Placeholder 5">
+      <p:sp>
+        <p:nvSpPr>
+          <p:cNvPr id="3" name="TextBox 2">
             <a:extLst>
               <a:ext uri="{FF2B5EF4-FFF2-40B4-BE49-F238E27FC236}">
-                <a16:creationId xmlns:a16="http://schemas.microsoft.com/office/drawing/2014/main" id="{92CC8292-593C-40AE-BF1F-6E81278571E7}"/>
+                <a16:creationId xmlns:a16="http://schemas.microsoft.com/office/drawing/2014/main" id="{A8DA3E8A-441C-482A-BA6B-DF5BA257DA6A}"/>
               </a:ext>
             </a:extLst>
           </p:cNvPr>
-          <p:cNvPicPr>
-            <a:picLocks noGrp="1" noChangeAspect="1"/>
-          </p:cNvPicPr>
-          <p:nvPr>
-            <p:ph idx="1"/>
-          </p:nvPr>
-        </p:nvPicPr>
-        <p:blipFill>
-          <a:blip r:embed="rId2"/>
-          <a:stretch>
-            <a:fillRect/>
-          </a:stretch>
-        </p:blipFill>
+          <p:cNvSpPr txBox="1"/>
+          <p:nvPr/>
+        </p:nvSpPr>
         <p:spPr>
           <a:xfrm>
-            <a:off x="1438809" y="1638300"/>
-            <a:ext cx="6115050" cy="3581400"/>
+            <a:off x="1000368" y="1533832"/>
+            <a:ext cx="8143631" cy="2862322"/>
           </a:xfrm>
           <a:prstGeom prst="rect">
             <a:avLst/>
           </a:prstGeom>
+          <a:noFill/>
         </p:spPr>
-      </p:pic>
-      <p:sp>
-        <p:nvSpPr>
-          <p:cNvPr id="8" name="Arrow: Down 7">
-            <a:extLst>
-              <a:ext uri="{FF2B5EF4-FFF2-40B4-BE49-F238E27FC236}">
-                <a16:creationId xmlns:a16="http://schemas.microsoft.com/office/drawing/2014/main" id="{509FD92D-9300-4FE5-940B-899A1CEF9D9B}"/>
-              </a:ext>
-            </a:extLst>
-          </p:cNvPr>
-          <p:cNvSpPr/>
-          <p:nvPr/>
-        </p:nvSpPr>
-        <p:spPr>
-          <a:xfrm rot="5400000">
-            <a:off x="7305366" y="3414260"/>
-            <a:ext cx="221225" cy="737419"/>
-          </a:xfrm>
-          <a:prstGeom prst="downArrow">
-            <a:avLst/>
-          </a:prstGeom>
-        </p:spPr>
-        <p:style>
-          <a:lnRef idx="2">
-            <a:schemeClr val="accent1">
-              <a:shade val="50000"/>
-            </a:schemeClr>
-          </a:lnRef>
-          <a:fillRef idx="1">
-            <a:schemeClr val="accent1"/>
-          </a:fillRef>
-          <a:effectRef idx="0">
-            <a:schemeClr val="accent1"/>
-          </a:effectRef>
-          <a:fontRef idx="minor">
-            <a:schemeClr val="lt1"/>
-          </a:fontRef>
-        </p:style>
-        <p:txBody>
-          <a:bodyPr rtlCol="0" anchor="ctr"/>
+        <p:txBody>
+          <a:bodyPr wrap="square" rtlCol="0">
+            <a:spAutoFit/>
+          </a:bodyPr>
           <a:lstStyle/>
           <a:p>
-            <a:pPr algn="ctr"/>
-            <a:endParaRPr lang="en-US"/>
-          </a:p>
-        </p:txBody>
-      </p:sp>
-      <p:sp>
-        <p:nvSpPr>
-          <p:cNvPr id="9" name="Arrow: Down 8">
-            <a:extLst>
-              <a:ext uri="{FF2B5EF4-FFF2-40B4-BE49-F238E27FC236}">
-                <a16:creationId xmlns:a16="http://schemas.microsoft.com/office/drawing/2014/main" id="{EE6876A0-83D9-4D67-9F80-5D4A5319985E}"/>
-              </a:ext>
-            </a:extLst>
-          </p:cNvPr>
-          <p:cNvSpPr/>
-          <p:nvPr/>
-        </p:nvSpPr>
-        <p:spPr>
-          <a:xfrm rot="5400000">
-            <a:off x="7305366" y="4162120"/>
-            <a:ext cx="221225" cy="737419"/>
-          </a:xfrm>
-          <a:prstGeom prst="downArrow">
-            <a:avLst/>
-          </a:prstGeom>
-        </p:spPr>
-        <p:style>
-          <a:lnRef idx="2">
-            <a:schemeClr val="accent1">
-              <a:shade val="50000"/>
-            </a:schemeClr>
-          </a:lnRef>
-          <a:fillRef idx="1">
-            <a:schemeClr val="accent1"/>
-          </a:fillRef>
-          <a:effectRef idx="0">
-            <a:schemeClr val="accent1"/>
-          </a:effectRef>
-          <a:fontRef idx="minor">
-            <a:schemeClr val="lt1"/>
-          </a:fontRef>
-        </p:style>
-        <p:txBody>
-          <a:bodyPr rtlCol="0" anchor="ctr"/>
-          <a:lstStyle/>
-          <a:p>
-            <a:pPr algn="ctr"/>
-            <a:endParaRPr lang="en-US"/>
-          </a:p>
-        </p:txBody>
-      </p:sp>
-      <p:sp>
-        <p:nvSpPr>
-          <p:cNvPr id="10" name="Arrow: Down 9">
-            <a:extLst>
-              <a:ext uri="{FF2B5EF4-FFF2-40B4-BE49-F238E27FC236}">
-                <a16:creationId xmlns:a16="http://schemas.microsoft.com/office/drawing/2014/main" id="{43CD5CC4-EEDC-49BD-B858-0439FD49A84F}"/>
-              </a:ext>
-            </a:extLst>
-          </p:cNvPr>
-          <p:cNvSpPr/>
-          <p:nvPr/>
-        </p:nvSpPr>
-        <p:spPr>
-          <a:xfrm rot="5400000">
-            <a:off x="7337317" y="4451248"/>
-            <a:ext cx="221225" cy="737419"/>
-          </a:xfrm>
-          <a:prstGeom prst="downArrow">
-            <a:avLst/>
-          </a:prstGeom>
-        </p:spPr>
-        <p:style>
-          <a:lnRef idx="2">
-            <a:schemeClr val="accent1">
-              <a:shade val="50000"/>
-            </a:schemeClr>
-          </a:lnRef>
-          <a:fillRef idx="1">
-            <a:schemeClr val="accent1"/>
-          </a:fillRef>
-          <a:effectRef idx="0">
-            <a:schemeClr val="accent1"/>
-          </a:effectRef>
-          <a:fontRef idx="minor">
-            <a:schemeClr val="lt1"/>
-          </a:fontRef>
-        </p:style>
-        <p:txBody>
-          <a:bodyPr rtlCol="0" anchor="ctr"/>
-          <a:lstStyle/>
-          <a:p>
-            <a:pPr algn="ctr"/>
-            <a:endParaRPr lang="en-US"/>
-          </a:p>
-        </p:txBody>
-      </p:sp>
-      <p:sp>
-        <p:nvSpPr>
-          <p:cNvPr id="11" name="Arrow: Down 10">
-            <a:extLst>
-              <a:ext uri="{FF2B5EF4-FFF2-40B4-BE49-F238E27FC236}">
-                <a16:creationId xmlns:a16="http://schemas.microsoft.com/office/drawing/2014/main" id="{49039989-6F63-4A53-B5D3-ED340B2D2956}"/>
-              </a:ext>
-            </a:extLst>
-          </p:cNvPr>
-          <p:cNvSpPr/>
-          <p:nvPr/>
-        </p:nvSpPr>
-        <p:spPr>
-          <a:xfrm rot="5400000">
-            <a:off x="7355752" y="4742222"/>
-            <a:ext cx="184354" cy="737419"/>
-          </a:xfrm>
-          <a:prstGeom prst="downArrow">
-            <a:avLst/>
-          </a:prstGeom>
-        </p:spPr>
-        <p:style>
-          <a:lnRef idx="2">
-            <a:schemeClr val="accent1">
-              <a:shade val="50000"/>
-            </a:schemeClr>
-          </a:lnRef>
-          <a:fillRef idx="1">
-            <a:schemeClr val="accent1"/>
-          </a:fillRef>
-          <a:effectRef idx="0">
-            <a:schemeClr val="accent1"/>
-          </a:effectRef>
-          <a:fontRef idx="minor">
-            <a:schemeClr val="lt1"/>
-          </a:fontRef>
-        </p:style>
-        <p:txBody>
-          <a:bodyPr rtlCol="0" anchor="ctr"/>
-          <a:lstStyle/>
-          <a:p>
-            <a:pPr algn="ctr"/>
-            <a:endParaRPr lang="en-US"/>
+            <a:r>
+              <a:rPr lang="en-US" dirty="0"/>
+              <a:t>1. </a:t>
+            </a:r>
+            <a:r>
+              <a:rPr lang="en-US" b="1" u="sng" dirty="0"/>
+              <a:t>5 %, 15%, 20%, 25% </a:t>
+            </a:r>
+            <a:r>
+              <a:rPr lang="en-US" dirty="0"/>
+              <a:t>discount rates have the most significant impact on sales. </a:t>
+            </a:r>
+          </a:p>
+          <a:p>
+            <a:endParaRPr lang="en-US" dirty="0"/>
+          </a:p>
+          <a:p>
+            <a:r>
+              <a:rPr lang="en-US" dirty="0"/>
+              <a:t>2. Offering less than 5 % or greater than 25% discount rate does not provide any significant changes to sales</a:t>
+            </a:r>
+          </a:p>
+          <a:p>
+            <a:endParaRPr lang="en-US" dirty="0"/>
+          </a:p>
+          <a:p>
+            <a:r>
+              <a:rPr lang="en-US" dirty="0"/>
+              <a:t>3. It would be important to acquire also data about length of time window company offers discount rates and how it impacts the sales. Further analysis is needed to capture how to optimally offer discount rates and maximize the sales</a:t>
+            </a:r>
           </a:p>
         </p:txBody>
       </p:sp>
@@ -10302,7 +10182,7 @@
           <p:nvPr>
             <p:extLst>
               <p:ext uri="{D42A27DB-BD31-4B8C-83A1-F6EECF244321}">
-                <p14:modId xmlns:p14="http://schemas.microsoft.com/office/powerpoint/2010/main" val="2010622759"/>
+                <p14:modId xmlns:p14="http://schemas.microsoft.com/office/powerpoint/2010/main" val="496742262"/>
               </p:ext>
             </p:extLst>
           </p:nvPr>
